--- a/presentacion_power_point/proyecto_foro_cinefilo_sentimiento.pptx
+++ b/presentacion_power_point/proyecto_foro_cinefilo_sentimiento.pptx
@@ -6,28 +6,27 @@
   </p:sldMasterIdLst>
   <p:sldIdLst>
     <p:sldId id="256" r:id="rId2"/>
-    <p:sldId id="257" r:id="rId3"/>
-    <p:sldId id="258" r:id="rId4"/>
-    <p:sldId id="260" r:id="rId5"/>
-    <p:sldId id="261" r:id="rId6"/>
-    <p:sldId id="259" r:id="rId7"/>
-    <p:sldId id="262" r:id="rId8"/>
-    <p:sldId id="277" r:id="rId9"/>
-    <p:sldId id="263" r:id="rId10"/>
-    <p:sldId id="264" r:id="rId11"/>
-    <p:sldId id="265" r:id="rId12"/>
-    <p:sldId id="266" r:id="rId13"/>
-    <p:sldId id="267" r:id="rId14"/>
-    <p:sldId id="268" r:id="rId15"/>
-    <p:sldId id="269" r:id="rId16"/>
-    <p:sldId id="270" r:id="rId17"/>
-    <p:sldId id="271" r:id="rId18"/>
-    <p:sldId id="272" r:id="rId19"/>
-    <p:sldId id="273" r:id="rId20"/>
-    <p:sldId id="274" r:id="rId21"/>
-    <p:sldId id="275" r:id="rId22"/>
-    <p:sldId id="278" r:id="rId23"/>
-    <p:sldId id="276" r:id="rId24"/>
+    <p:sldId id="258" r:id="rId3"/>
+    <p:sldId id="260" r:id="rId4"/>
+    <p:sldId id="279" r:id="rId5"/>
+    <p:sldId id="259" r:id="rId6"/>
+    <p:sldId id="262" r:id="rId7"/>
+    <p:sldId id="277" r:id="rId8"/>
+    <p:sldId id="263" r:id="rId9"/>
+    <p:sldId id="264" r:id="rId10"/>
+    <p:sldId id="265" r:id="rId11"/>
+    <p:sldId id="266" r:id="rId12"/>
+    <p:sldId id="267" r:id="rId13"/>
+    <p:sldId id="268" r:id="rId14"/>
+    <p:sldId id="269" r:id="rId15"/>
+    <p:sldId id="270" r:id="rId16"/>
+    <p:sldId id="271" r:id="rId17"/>
+    <p:sldId id="272" r:id="rId18"/>
+    <p:sldId id="273" r:id="rId19"/>
+    <p:sldId id="274" r:id="rId20"/>
+    <p:sldId id="275" r:id="rId21"/>
+    <p:sldId id="278" r:id="rId22"/>
+    <p:sldId id="276" r:id="rId23"/>
   </p:sldIdLst>
   <p:sldSz cx="9144000" cy="6858000" type="screen4x3"/>
   <p:notesSz cx="6858000" cy="9144000"/>
@@ -3103,7 +3102,15 @@
           <a:p>
             <a:r>
               <a:rPr lang="es-ES" dirty="0" smtClean="0"/>
-              <a:t>FORO CINEFILO CON SENTIMIENTO</a:t>
+              <a:t>FORO </a:t>
+            </a:r>
+            <a:r>
+              <a:rPr lang="es-ES" dirty="0" smtClean="0"/>
+              <a:t>CINÉFILO </a:t>
+            </a:r>
+            <a:r>
+              <a:rPr lang="es-ES" dirty="0" smtClean="0"/>
+              <a:t>CON SENTIMIENTO</a:t>
             </a:r>
             <a:endParaRPr lang="es-ES" dirty="0"/>
           </a:p>
@@ -3198,7 +3205,7 @@
           <a:p>
             <a:r>
               <a:rPr lang="es-ES" dirty="0" smtClean="0"/>
-              <a:t>API</a:t>
+              <a:t>/usuario [POST]</a:t>
             </a:r>
             <a:endParaRPr lang="es-ES" dirty="0"/>
           </a:p>
@@ -3222,32 +3229,85 @@
             <a:pPr>
               <a:buNone/>
             </a:pPr>
+            <a:r>
+              <a:rPr lang="es-ES" dirty="0" smtClean="0"/>
+              <a:t>*A INGRESAR:</a:t>
+            </a:r>
+          </a:p>
+          <a:p>
+            <a:pPr>
+              <a:buNone/>
+            </a:pPr>
+            <a:r>
+              <a:rPr lang="es-ES" dirty="0" smtClean="0"/>
+              <a:t>-”nombre”: nombre</a:t>
+            </a:r>
+          </a:p>
+          <a:p>
+            <a:pPr>
+              <a:buNone/>
+            </a:pPr>
+            <a:r>
+              <a:rPr lang="es-ES" dirty="0" smtClean="0"/>
+              <a:t>-”contraseña”: contraseña (se cifrara </a:t>
+            </a:r>
+            <a:r>
+              <a:rPr lang="es-ES" dirty="0" err="1" smtClean="0"/>
+              <a:t>despues</a:t>
+            </a:r>
+            <a:r>
+              <a:rPr lang="es-ES" dirty="0" smtClean="0"/>
+              <a:t>)</a:t>
+            </a:r>
+          </a:p>
+          <a:p>
+            <a:pPr>
+              <a:buNone/>
+            </a:pPr>
             <a:endParaRPr lang="es-ES" dirty="0" smtClean="0"/>
           </a:p>
           <a:p>
             <a:pPr>
               <a:buNone/>
             </a:pPr>
+            <a:r>
+              <a:rPr lang="es-ES" dirty="0" smtClean="0"/>
+              <a:t>*devuelve:</a:t>
+            </a:r>
+          </a:p>
+          <a:p>
+            <a:pPr>
+              <a:buNone/>
+            </a:pPr>
+            <a:r>
+              <a:rPr lang="es-ES" dirty="0" smtClean="0"/>
+              <a:t>ID del usuario con el que creará </a:t>
+            </a:r>
+            <a:r>
+              <a:rPr lang="es-ES" dirty="0" err="1" smtClean="0"/>
+              <a:t>tÍtulo</a:t>
+            </a:r>
+            <a:r>
+              <a:rPr lang="es-ES" dirty="0" smtClean="0"/>
+              <a:t> </a:t>
+            </a:r>
+            <a:r>
+              <a:rPr lang="es-ES" dirty="0" smtClean="0"/>
+              <a:t>de </a:t>
+            </a:r>
+            <a:r>
+              <a:rPr lang="es-ES" dirty="0" err="1" smtClean="0"/>
+              <a:t>pelÍcula</a:t>
+            </a:r>
+            <a:r>
+              <a:rPr lang="es-ES" dirty="0" smtClean="0"/>
+              <a:t> </a:t>
+            </a:r>
+            <a:r>
+              <a:rPr lang="es-ES" dirty="0" smtClean="0"/>
+              <a:t>para hacer posteriormente reseñas sobre ella.</a:t>
+            </a:r>
             <a:endParaRPr lang="es-ES" dirty="0"/>
-          </a:p>
-          <a:p>
-            <a:pPr>
-              <a:buNone/>
-            </a:pPr>
-            <a:endParaRPr lang="es-ES" dirty="0" smtClean="0"/>
-          </a:p>
-          <a:p>
-            <a:pPr>
-              <a:buNone/>
-            </a:pPr>
-            <a:r>
-              <a:rPr lang="es-ES" dirty="0"/>
-              <a:t> </a:t>
-            </a:r>
-            <a:r>
-              <a:rPr lang="es-ES" dirty="0" smtClean="0"/>
-              <a:t>                                ENDPOINTS</a:t>
-            </a:r>
           </a:p>
         </p:txBody>
       </p:sp>
@@ -3300,83 +3360,7 @@
           <a:p>
             <a:r>
               <a:rPr lang="es-ES" dirty="0" smtClean="0"/>
-              <a:t>/usuario [POST]</a:t>
-            </a:r>
-            <a:endParaRPr lang="es-ES" dirty="0"/>
-          </a:p>
-        </p:txBody>
-      </p:sp>
-      <p:sp>
-        <p:nvSpPr>
-          <p:cNvPr id="3" name="2 Marcador de contenido"/>
-          <p:cNvSpPr>
-            <a:spLocks noGrp="1"/>
-          </p:cNvSpPr>
-          <p:nvPr>
-            <p:ph idx="1"/>
-          </p:nvPr>
-        </p:nvSpPr>
-        <p:spPr/>
-        <p:txBody>
-          <a:bodyPr/>
-          <a:lstStyle/>
-          <a:p>
-            <a:pPr>
-              <a:buNone/>
-            </a:pPr>
-            <a:r>
-              <a:rPr lang="es-ES" dirty="0" smtClean="0"/>
-              <a:t>*A INGRESAR:</a:t>
-            </a:r>
-          </a:p>
-          <a:p>
-            <a:pPr>
-              <a:buNone/>
-            </a:pPr>
-            <a:r>
-              <a:rPr lang="es-ES" dirty="0" smtClean="0"/>
-              <a:t>-”nombre”: nombre</a:t>
-            </a:r>
-          </a:p>
-          <a:p>
-            <a:pPr>
-              <a:buNone/>
-            </a:pPr>
-            <a:r>
-              <a:rPr lang="es-ES" dirty="0" smtClean="0"/>
-              <a:t>-”contraseña”: contraseña (se cifrara </a:t>
-            </a:r>
-            <a:r>
-              <a:rPr lang="es-ES" dirty="0" err="1" smtClean="0"/>
-              <a:t>despues</a:t>
-            </a:r>
-            <a:r>
-              <a:rPr lang="es-ES" dirty="0" smtClean="0"/>
-              <a:t>)</a:t>
-            </a:r>
-          </a:p>
-          <a:p>
-            <a:pPr>
-              <a:buNone/>
-            </a:pPr>
-            <a:endParaRPr lang="es-ES" dirty="0" smtClean="0"/>
-          </a:p>
-          <a:p>
-            <a:pPr>
-              <a:buNone/>
-            </a:pPr>
-            <a:r>
-              <a:rPr lang="es-ES" dirty="0" smtClean="0"/>
-              <a:t>*devuelve:</a:t>
-            </a:r>
-          </a:p>
-          <a:p>
-            <a:pPr>
-              <a:buNone/>
-            </a:pPr>
-            <a:r>
-              <a:rPr lang="es-ES" dirty="0" smtClean="0"/>
-              <a:t>ID del usuario con el que creará titulo de </a:t>
+              <a:t>/</a:t>
             </a:r>
             <a:r>
               <a:rPr lang="es-ES" dirty="0" err="1" smtClean="0"/>
@@ -3384,7 +3368,83 @@
             </a:r>
             <a:r>
               <a:rPr lang="es-ES" dirty="0" smtClean="0"/>
-              <a:t> para hacer posteriormente reseñas sobre ella.</a:t>
+              <a:t>  [POST]</a:t>
+            </a:r>
+            <a:endParaRPr lang="es-ES" dirty="0"/>
+          </a:p>
+        </p:txBody>
+      </p:sp>
+      <p:sp>
+        <p:nvSpPr>
+          <p:cNvPr id="3" name="2 Marcador de contenido"/>
+          <p:cNvSpPr>
+            <a:spLocks noGrp="1"/>
+          </p:cNvSpPr>
+          <p:nvPr>
+            <p:ph idx="1"/>
+          </p:nvPr>
+        </p:nvSpPr>
+        <p:spPr/>
+        <p:txBody>
+          <a:bodyPr/>
+          <a:lstStyle/>
+          <a:p>
+            <a:pPr>
+              <a:buNone/>
+            </a:pPr>
+            <a:r>
+              <a:rPr lang="es-ES" dirty="0" smtClean="0"/>
+              <a:t>*INGRESAR:</a:t>
+            </a:r>
+          </a:p>
+          <a:p>
+            <a:pPr>
+              <a:buNone/>
+            </a:pPr>
+            <a:r>
+              <a:rPr lang="es-ES" dirty="0" smtClean="0"/>
+              <a:t>-”titulo”: titulo</a:t>
+            </a:r>
+          </a:p>
+          <a:p>
+            <a:pPr>
+              <a:buNone/>
+            </a:pPr>
+            <a:r>
+              <a:rPr lang="es-ES" dirty="0" smtClean="0"/>
+              <a:t>-”</a:t>
+            </a:r>
+            <a:r>
+              <a:rPr lang="es-ES" dirty="0" err="1" smtClean="0"/>
+              <a:t>token</a:t>
+            </a:r>
+            <a:r>
+              <a:rPr lang="es-ES" dirty="0" smtClean="0"/>
+              <a:t>”: id usuario</a:t>
+            </a:r>
+          </a:p>
+          <a:p>
+            <a:pPr>
+              <a:buNone/>
+            </a:pPr>
+            <a:endParaRPr lang="es-ES" dirty="0"/>
+          </a:p>
+          <a:p>
+            <a:pPr>
+              <a:buNone/>
+            </a:pPr>
+            <a:r>
+              <a:rPr lang="es-ES" dirty="0" smtClean="0"/>
+              <a:t>*DEVUELVE:</a:t>
+            </a:r>
+          </a:p>
+          <a:p>
+            <a:pPr>
+              <a:buNone/>
+            </a:pPr>
+            <a:r>
+              <a:rPr lang="es-ES" dirty="0" smtClean="0"/>
+              <a:t>“CAMPO DE PELICULA AÑADIDO CORRECTAMENTE”</a:t>
             </a:r>
             <a:endParaRPr lang="es-ES" dirty="0"/>
           </a:p>
@@ -3447,7 +3507,7 @@
             </a:r>
             <a:r>
               <a:rPr lang="es-ES" dirty="0" smtClean="0"/>
-              <a:t>  [POST]</a:t>
+              <a:t>/&lt;titulo&gt; [GET]</a:t>
             </a:r>
             <a:endParaRPr lang="es-ES" dirty="0"/>
           </a:p>
@@ -3482,31 +3542,28 @@
             </a:pPr>
             <a:r>
               <a:rPr lang="es-ES" dirty="0" smtClean="0"/>
-              <a:t>-”titulo”: titulo</a:t>
-            </a:r>
+              <a:t>-NOMBRE DE LA </a:t>
+            </a:r>
+            <a:r>
+              <a:rPr lang="es-ES" dirty="0" smtClean="0"/>
+              <a:t>PELÍCULA</a:t>
+            </a:r>
+            <a:endParaRPr lang="es-ES" dirty="0" smtClean="0"/>
           </a:p>
           <a:p>
             <a:pPr>
               <a:buNone/>
             </a:pPr>
-            <a:r>
-              <a:rPr lang="es-ES" dirty="0" smtClean="0"/>
-              <a:t>-”</a:t>
-            </a:r>
-            <a:r>
-              <a:rPr lang="es-ES" dirty="0" err="1" smtClean="0"/>
-              <a:t>token</a:t>
-            </a:r>
-            <a:r>
-              <a:rPr lang="es-ES" dirty="0" smtClean="0"/>
-              <a:t>”: id usuario</a:t>
-            </a:r>
+            <a:endParaRPr lang="es-ES" dirty="0"/>
           </a:p>
           <a:p>
             <a:pPr>
               <a:buNone/>
             </a:pPr>
-            <a:endParaRPr lang="es-ES" dirty="0"/>
+            <a:r>
+              <a:rPr lang="es-ES" dirty="0" smtClean="0"/>
+              <a:t>*DEVUELVE:</a:t>
+            </a:r>
           </a:p>
           <a:p>
             <a:pPr>
@@ -3514,16 +3571,15 @@
             </a:pPr>
             <a:r>
               <a:rPr lang="es-ES" dirty="0" smtClean="0"/>
-              <a:t>*DEVUELVE:</a:t>
-            </a:r>
-          </a:p>
-          <a:p>
-            <a:pPr>
-              <a:buNone/>
-            </a:pPr>
-            <a:r>
-              <a:rPr lang="es-ES" dirty="0" smtClean="0"/>
-              <a:t>“CAMPO DE PELICULA AÑADIDO CORRECTAMENTE”</a:t>
+              <a:t>-ID DE </a:t>
+            </a:r>
+            <a:r>
+              <a:rPr lang="es-ES" dirty="0" smtClean="0"/>
+              <a:t>PELÍCULA </a:t>
+            </a:r>
+            <a:r>
+              <a:rPr lang="es-ES" dirty="0" smtClean="0"/>
+              <a:t>PARA CREAR LA RESEÑA</a:t>
             </a:r>
             <a:endParaRPr lang="es-ES" dirty="0"/>
           </a:p>
@@ -3578,74 +3634,139 @@
           <a:p>
             <a:r>
               <a:rPr lang="es-ES" dirty="0" smtClean="0"/>
-              <a:t>/</a:t>
+              <a:t>/reseña  [POST]</a:t>
+            </a:r>
+            <a:endParaRPr lang="es-ES" dirty="0"/>
+          </a:p>
+        </p:txBody>
+      </p:sp>
+      <p:sp>
+        <p:nvSpPr>
+          <p:cNvPr id="3" name="2 Marcador de contenido"/>
+          <p:cNvSpPr>
+            <a:spLocks noGrp="1"/>
+          </p:cNvSpPr>
+          <p:nvPr>
+            <p:ph idx="1"/>
+          </p:nvPr>
+        </p:nvSpPr>
+        <p:spPr/>
+        <p:txBody>
+          <a:bodyPr>
+            <a:normAutofit fontScale="92500" lnSpcReduction="20000"/>
+          </a:bodyPr>
+          <a:lstStyle/>
+          <a:p>
+            <a:pPr>
+              <a:buNone/>
+            </a:pPr>
+            <a:r>
+              <a:rPr lang="es-ES" dirty="0" smtClean="0"/>
+              <a:t>*INGRESAR:</a:t>
+            </a:r>
+          </a:p>
+          <a:p>
+            <a:pPr>
+              <a:buNone/>
+            </a:pPr>
+            <a:r>
+              <a:rPr lang="es-ES" dirty="0" smtClean="0"/>
+              <a:t>-”usuario”: id usuario,</a:t>
+            </a:r>
+          </a:p>
+          <a:p>
+            <a:pPr>
+              <a:buNone/>
+            </a:pPr>
+            <a:r>
+              <a:rPr lang="es-ES" dirty="0" smtClean="0"/>
+              <a:t>-”titulo”: id titulo,</a:t>
+            </a:r>
+          </a:p>
+          <a:p>
+            <a:pPr>
+              <a:buNone/>
+            </a:pPr>
+            <a:r>
+              <a:rPr lang="es-ES" dirty="0" smtClean="0"/>
+              <a:t>“reseña”: en </a:t>
+            </a:r>
+            <a:r>
+              <a:rPr lang="es-ES" dirty="0" smtClean="0"/>
+              <a:t>inglés</a:t>
+            </a:r>
+            <a:endParaRPr lang="es-ES" dirty="0" smtClean="0"/>
+          </a:p>
+          <a:p>
+            <a:pPr>
+              <a:buNone/>
+            </a:pPr>
+            <a:endParaRPr lang="es-ES" dirty="0" smtClean="0"/>
+          </a:p>
+          <a:p>
+            <a:pPr>
+              <a:buNone/>
+            </a:pPr>
+            <a:r>
+              <a:rPr lang="es-ES" dirty="0" smtClean="0"/>
+              <a:t>*Devuelve:</a:t>
+            </a:r>
+          </a:p>
+          <a:p>
+            <a:pPr>
+              <a:buNone/>
+            </a:pPr>
+            <a:r>
+              <a:rPr lang="es-ES" dirty="0" smtClean="0"/>
+              <a:t>-</a:t>
             </a:r>
             <a:r>
               <a:rPr lang="es-ES" dirty="0" err="1" smtClean="0"/>
+              <a:t>calificacion</a:t>
+            </a:r>
+            <a:r>
+              <a:rPr lang="es-ES" dirty="0" smtClean="0"/>
+              <a:t>: </a:t>
+            </a:r>
+            <a:r>
+              <a:rPr lang="es-ES" dirty="0" smtClean="0">
+                <a:sym typeface="Wingdings" pitchFamily="2" charset="2"/>
+              </a:rPr>
+              <a:t> o </a:t>
+            </a:r>
+          </a:p>
+          <a:p>
+            <a:pPr>
+              <a:buNone/>
+            </a:pPr>
+            <a:r>
+              <a:rPr lang="es-ES" dirty="0" smtClean="0">
+                <a:sym typeface="Wingdings" pitchFamily="2" charset="2"/>
+              </a:rPr>
+              <a:t>-reseña : la reseña del usuario </a:t>
+            </a:r>
+          </a:p>
+          <a:p>
+            <a:pPr>
+              <a:buNone/>
+            </a:pPr>
+            <a:r>
+              <a:rPr lang="es-ES" dirty="0" smtClean="0">
+                <a:sym typeface="Wingdings" pitchFamily="2" charset="2"/>
+              </a:rPr>
+              <a:t>-titulo: el titulo de la </a:t>
+            </a:r>
+            <a:r>
+              <a:rPr lang="es-ES" dirty="0" err="1" smtClean="0">
+                <a:sym typeface="Wingdings" pitchFamily="2" charset="2"/>
+              </a:rPr>
               <a:t>pelicula</a:t>
             </a:r>
             <a:r>
-              <a:rPr lang="es-ES" dirty="0" smtClean="0"/>
-              <a:t>/&lt;titulo&gt; [GET]</a:t>
-            </a:r>
-            <a:endParaRPr lang="es-ES" dirty="0"/>
-          </a:p>
-        </p:txBody>
-      </p:sp>
-      <p:sp>
-        <p:nvSpPr>
-          <p:cNvPr id="3" name="2 Marcador de contenido"/>
-          <p:cNvSpPr>
-            <a:spLocks noGrp="1"/>
-          </p:cNvSpPr>
-          <p:nvPr>
-            <p:ph idx="1"/>
-          </p:nvPr>
-        </p:nvSpPr>
-        <p:spPr/>
-        <p:txBody>
-          <a:bodyPr/>
-          <a:lstStyle/>
-          <a:p>
-            <a:pPr>
-              <a:buNone/>
-            </a:pPr>
-            <a:r>
-              <a:rPr lang="es-ES" dirty="0" smtClean="0"/>
-              <a:t>*INGRESAR:</a:t>
-            </a:r>
-          </a:p>
-          <a:p>
-            <a:pPr>
-              <a:buNone/>
-            </a:pPr>
-            <a:r>
-              <a:rPr lang="es-ES" dirty="0" smtClean="0"/>
-              <a:t>-NOMBRE DE LA PELICULA</a:t>
-            </a:r>
-          </a:p>
-          <a:p>
-            <a:pPr>
-              <a:buNone/>
-            </a:pPr>
-            <a:endParaRPr lang="es-ES" dirty="0"/>
-          </a:p>
-          <a:p>
-            <a:pPr>
-              <a:buNone/>
-            </a:pPr>
-            <a:r>
-              <a:rPr lang="es-ES" dirty="0" smtClean="0"/>
-              <a:t>*DEVUELVE:</a:t>
-            </a:r>
-          </a:p>
-          <a:p>
-            <a:pPr>
-              <a:buNone/>
-            </a:pPr>
-            <a:r>
-              <a:rPr lang="es-ES" dirty="0" smtClean="0"/>
-              <a:t>-ID DE PELICULA PARA CREAR LA RESEÑA</a:t>
+              <a:rPr lang="es-ES" dirty="0" smtClean="0">
+                <a:sym typeface="Wingdings" pitchFamily="2" charset="2"/>
+              </a:rPr>
+              <a:t> de la que ha hecho la reseña</a:t>
             </a:r>
             <a:endParaRPr lang="es-ES" dirty="0"/>
           </a:p>
@@ -3700,7 +3821,7 @@
           <a:p>
             <a:r>
               <a:rPr lang="es-ES" dirty="0" smtClean="0"/>
-              <a:t>/reseña  [POST]</a:t>
+              <a:t>/usuario/&lt;nombre&gt; [GET]</a:t>
             </a:r>
             <a:endParaRPr lang="es-ES" dirty="0"/>
           </a:p>
@@ -3718,9 +3839,7 @@
         </p:nvSpPr>
         <p:spPr/>
         <p:txBody>
-          <a:bodyPr>
-            <a:normAutofit fontScale="92500" lnSpcReduction="20000"/>
-          </a:bodyPr>
+          <a:bodyPr/>
           <a:lstStyle/>
           <a:p>
             <a:pPr>
@@ -3728,17 +3847,14 @@
             </a:pPr>
             <a:r>
               <a:rPr lang="es-ES" dirty="0" smtClean="0"/>
-              <a:t>*INGRESAR:</a:t>
+              <a:t>*DEVUELVE:</a:t>
             </a:r>
           </a:p>
           <a:p>
             <a:pPr>
               <a:buNone/>
             </a:pPr>
-            <a:r>
-              <a:rPr lang="es-ES" dirty="0" smtClean="0"/>
-              <a:t>-”usuario”: id usuario,</a:t>
-            </a:r>
+            <a:endParaRPr lang="es-ES" dirty="0"/>
           </a:p>
           <a:p>
             <a:pPr>
@@ -3746,7 +3862,7 @@
             </a:pPr>
             <a:r>
               <a:rPr lang="es-ES" dirty="0" smtClean="0"/>
-              <a:t>-”titulo”: id titulo,</a:t>
+              <a:t>LAS RESEÑAS QUE ESCRIBIÓ</a:t>
             </a:r>
           </a:p>
           <a:p>
@@ -3755,79 +3871,40 @@
             </a:pPr>
             <a:r>
               <a:rPr lang="es-ES" dirty="0" smtClean="0"/>
-              <a:t>“reseña”: en ingles</a:t>
+              <a:t>LA </a:t>
+            </a:r>
+            <a:r>
+              <a:rPr lang="es-ES" dirty="0" smtClean="0"/>
+              <a:t>CALIFICACIÓN </a:t>
+            </a:r>
+            <a:r>
+              <a:rPr lang="es-ES" dirty="0" smtClean="0"/>
+              <a:t>DE SUS RESEÑAS</a:t>
             </a:r>
           </a:p>
           <a:p>
             <a:pPr>
               <a:buNone/>
             </a:pPr>
-            <a:endParaRPr lang="es-ES" dirty="0" smtClean="0"/>
-          </a:p>
-          <a:p>
-            <a:pPr>
-              <a:buNone/>
-            </a:pPr>
-            <a:r>
-              <a:rPr lang="es-ES" dirty="0" smtClean="0"/>
-              <a:t>*Devuelve:</a:t>
-            </a:r>
-          </a:p>
-          <a:p>
-            <a:pPr>
-              <a:buNone/>
-            </a:pPr>
-            <a:r>
-              <a:rPr lang="es-ES" dirty="0" smtClean="0"/>
-              <a:t>-</a:t>
-            </a:r>
-            <a:r>
-              <a:rPr lang="es-ES" dirty="0" err="1" smtClean="0"/>
-              <a:t>calificacion</a:t>
-            </a:r>
-            <a:r>
-              <a:rPr lang="es-ES" dirty="0" smtClean="0"/>
-              <a:t>: </a:t>
-            </a:r>
-            <a:r>
-              <a:rPr lang="es-ES" dirty="0" smtClean="0">
-                <a:sym typeface="Wingdings" pitchFamily="2" charset="2"/>
-              </a:rPr>
-              <a:t> o </a:t>
-            </a:r>
-          </a:p>
-          <a:p>
-            <a:pPr>
-              <a:buNone/>
-            </a:pPr>
-            <a:r>
-              <a:rPr lang="es-ES" dirty="0" smtClean="0">
-                <a:sym typeface="Wingdings" pitchFamily="2" charset="2"/>
-              </a:rPr>
-              <a:t>-reseña : la reseña del usuario </a:t>
-            </a:r>
-          </a:p>
-          <a:p>
-            <a:pPr>
-              <a:buNone/>
-            </a:pPr>
-            <a:r>
-              <a:rPr lang="es-ES" dirty="0" smtClean="0">
-                <a:sym typeface="Wingdings" pitchFamily="2" charset="2"/>
-              </a:rPr>
-              <a:t>-titulo: el titulo de la </a:t>
-            </a:r>
-            <a:r>
-              <a:rPr lang="es-ES" dirty="0" err="1" smtClean="0">
-                <a:sym typeface="Wingdings" pitchFamily="2" charset="2"/>
-              </a:rPr>
-              <a:t>pelicula</a:t>
-            </a:r>
-            <a:r>
-              <a:rPr lang="es-ES" dirty="0" smtClean="0">
-                <a:sym typeface="Wingdings" pitchFamily="2" charset="2"/>
-              </a:rPr>
-              <a:t> de la que ha hecho la reseña</a:t>
+            <a:r>
+              <a:rPr lang="es-ES" dirty="0" smtClean="0"/>
+              <a:t>EL </a:t>
+            </a:r>
+            <a:r>
+              <a:rPr lang="es-ES" dirty="0" smtClean="0"/>
+              <a:t>TÍTULO </a:t>
+            </a:r>
+            <a:r>
+              <a:rPr lang="es-ES" dirty="0" smtClean="0"/>
+              <a:t>DE LAS </a:t>
+            </a:r>
+            <a:r>
+              <a:rPr lang="es-ES" dirty="0" smtClean="0"/>
+              <a:t>PELÍCULAS </a:t>
+            </a:r>
+            <a:r>
+              <a:rPr lang="es-ES" dirty="0" smtClean="0"/>
+              <a:t>QUE COMENTÓ</a:t>
             </a:r>
             <a:endParaRPr lang="es-ES" dirty="0"/>
           </a:p>
@@ -3882,7 +3959,15 @@
           <a:p>
             <a:r>
               <a:rPr lang="es-ES" dirty="0" smtClean="0"/>
-              <a:t>/usuario/&lt;nombre&gt; [GET]</a:t>
+              <a:t>/</a:t>
+            </a:r>
+            <a:r>
+              <a:rPr lang="es-ES" dirty="0" err="1" smtClean="0"/>
+              <a:t>repeli</a:t>
+            </a:r>
+            <a:r>
+              <a:rPr lang="es-ES" dirty="0" smtClean="0"/>
+              <a:t>/&lt;titulo&gt; [GET ]</a:t>
             </a:r>
             <a:endParaRPr lang="es-ES" dirty="0"/>
           </a:p>
@@ -3908,40 +3993,23 @@
             </a:pPr>
             <a:r>
               <a:rPr lang="es-ES" dirty="0" smtClean="0"/>
-              <a:t>*DEVUELVE:</a:t>
-            </a:r>
-          </a:p>
-          <a:p>
-            <a:pPr>
-              <a:buNone/>
-            </a:pPr>
-            <a:endParaRPr lang="es-ES" dirty="0"/>
-          </a:p>
-          <a:p>
-            <a:pPr>
-              <a:buNone/>
-            </a:pPr>
-            <a:r>
-              <a:rPr lang="es-ES" dirty="0" smtClean="0"/>
-              <a:t>LAS RESEÑAS QUE ESCRIBIÓ</a:t>
-            </a:r>
-          </a:p>
-          <a:p>
-            <a:pPr>
-              <a:buNone/>
-            </a:pPr>
-            <a:r>
-              <a:rPr lang="es-ES" dirty="0" smtClean="0"/>
-              <a:t>LA CALIFICACION DE SUS RESEÑAS</a:t>
-            </a:r>
-          </a:p>
-          <a:p>
-            <a:pPr>
-              <a:buNone/>
-            </a:pPr>
-            <a:r>
-              <a:rPr lang="es-ES" dirty="0" smtClean="0"/>
-              <a:t>EL TITULO DE LAS PELICULAS QUE COMENTÓ</a:t>
+              <a:t>*DEVUELVE LAS RESEÑAS DE ESE </a:t>
+            </a:r>
+            <a:r>
+              <a:rPr lang="es-ES" dirty="0" smtClean="0"/>
+              <a:t>TÍTULO </a:t>
+            </a:r>
+            <a:r>
+              <a:rPr lang="es-ES" dirty="0" smtClean="0"/>
+              <a:t>CON SU </a:t>
+            </a:r>
+            <a:r>
+              <a:rPr lang="es-ES" dirty="0" smtClean="0"/>
+              <a:t>CALIFICACIÓN </a:t>
+            </a:r>
+            <a:r>
+              <a:rPr lang="es-ES" dirty="0" smtClean="0"/>
+              <a:t>Y EL USUARIO QUE LA ESCRIBIÓ</a:t>
             </a:r>
             <a:endParaRPr lang="es-ES" dirty="0"/>
           </a:p>
@@ -3996,15 +4064,7 @@
           <a:p>
             <a:r>
               <a:rPr lang="es-ES" dirty="0" smtClean="0"/>
-              <a:t>/</a:t>
-            </a:r>
-            <a:r>
-              <a:rPr lang="es-ES" dirty="0" err="1" smtClean="0"/>
-              <a:t>repeli</a:t>
-            </a:r>
-            <a:r>
-              <a:rPr lang="es-ES" dirty="0" smtClean="0"/>
-              <a:t>/&lt;titulo&gt; [GET ]</a:t>
+              <a:t>/reseñas [GET]</a:t>
             </a:r>
             <a:endParaRPr lang="es-ES" dirty="0"/>
           </a:p>
@@ -4030,7 +4090,34 @@
             </a:pPr>
             <a:r>
               <a:rPr lang="es-ES" dirty="0" smtClean="0"/>
-              <a:t>*DEVUELVE LAS RESEÑAS DE ESE TITULO CON SU CALIFICACION Y EL USUARIO QUE LA ESCRIBIÓ</a:t>
+              <a:t>*DEVUELVE:</a:t>
+            </a:r>
+          </a:p>
+          <a:p>
+            <a:pPr>
+              <a:buNone/>
+            </a:pPr>
+            <a:endParaRPr lang="es-ES" dirty="0"/>
+          </a:p>
+          <a:p>
+            <a:pPr>
+              <a:buNone/>
+            </a:pPr>
+            <a:r>
+              <a:rPr lang="es-ES" dirty="0" smtClean="0"/>
+              <a:t>TODAS LAS RESEÑAS, CON SUS CALIFICACIONES, EL USUARIO QUE LAS ESCRIBIÓ, Y EL </a:t>
+            </a:r>
+            <a:r>
+              <a:rPr lang="es-ES" dirty="0" smtClean="0"/>
+              <a:t>TÍTULO </a:t>
+            </a:r>
+            <a:r>
+              <a:rPr lang="es-ES" dirty="0" smtClean="0"/>
+              <a:t>DE ESAS </a:t>
+            </a:r>
+            <a:r>
+              <a:rPr lang="es-ES" dirty="0" smtClean="0"/>
+              <a:t>PELÍCULAS</a:t>
             </a:r>
             <a:endParaRPr lang="es-ES" dirty="0"/>
           </a:p>
@@ -4083,50 +4170,43 @@
           <a:bodyPr/>
           <a:lstStyle/>
           <a:p>
-            <a:r>
-              <a:rPr lang="es-ES" dirty="0" smtClean="0"/>
-              <a:t>/reseñas [GET]</a:t>
-            </a:r>
+            <a:endParaRPr lang="es-ES"/>
+          </a:p>
+        </p:txBody>
+      </p:sp>
+      <p:sp>
+        <p:nvSpPr>
+          <p:cNvPr id="3" name="2 Marcador de contenido"/>
+          <p:cNvSpPr>
+            <a:spLocks noGrp="1"/>
+          </p:cNvSpPr>
+          <p:nvPr>
+            <p:ph idx="1"/>
+          </p:nvPr>
+        </p:nvSpPr>
+        <p:spPr/>
+        <p:txBody>
+          <a:bodyPr/>
+          <a:lstStyle/>
+          <a:p>
+            <a:pPr>
+              <a:buNone/>
+            </a:pPr>
+            <a:endParaRPr lang="es-ES" dirty="0" smtClean="0"/>
+          </a:p>
+          <a:p>
+            <a:pPr>
+              <a:buNone/>
+            </a:pPr>
             <a:endParaRPr lang="es-ES" dirty="0"/>
           </a:p>
-        </p:txBody>
-      </p:sp>
-      <p:sp>
-        <p:nvSpPr>
-          <p:cNvPr id="3" name="2 Marcador de contenido"/>
-          <p:cNvSpPr>
-            <a:spLocks noGrp="1"/>
-          </p:cNvSpPr>
-          <p:nvPr>
-            <p:ph idx="1"/>
-          </p:nvPr>
-        </p:nvSpPr>
-        <p:spPr/>
-        <p:txBody>
-          <a:bodyPr/>
-          <a:lstStyle/>
           <a:p>
             <a:pPr>
               <a:buNone/>
             </a:pPr>
             <a:r>
               <a:rPr lang="es-ES" dirty="0" smtClean="0"/>
-              <a:t>*DEVUELVE:</a:t>
-            </a:r>
-          </a:p>
-          <a:p>
-            <a:pPr>
-              <a:buNone/>
-            </a:pPr>
-            <a:endParaRPr lang="es-ES" dirty="0"/>
-          </a:p>
-          <a:p>
-            <a:pPr>
-              <a:buNone/>
-            </a:pPr>
-            <a:r>
-              <a:rPr lang="es-ES" dirty="0" smtClean="0"/>
-              <a:t>TODAS LAS RESEÑAS, CON SUS CALIFICACIONES, EL USUARIO QUE LAS ESCRIBIÓ, Y EL TITULO DE ESAS PELICULAS</a:t>
+              <a:t>                            FINALMENTE…</a:t>
             </a:r>
             <a:endParaRPr lang="es-ES" dirty="0"/>
           </a:p>
@@ -4179,7 +4259,11 @@
           <a:bodyPr/>
           <a:lstStyle/>
           <a:p>
-            <a:endParaRPr lang="es-ES"/>
+            <a:r>
+              <a:rPr lang="es-ES" dirty="0" smtClean="0"/>
+              <a:t>GRAFICANDO MIS RESEÑAS</a:t>
+            </a:r>
+            <a:endParaRPr lang="es-ES" dirty="0"/>
           </a:p>
         </p:txBody>
       </p:sp>
@@ -4201,21 +4285,25 @@
             <a:pPr>
               <a:buNone/>
             </a:pPr>
-            <a:endParaRPr lang="es-ES" dirty="0" smtClean="0"/>
-          </a:p>
-          <a:p>
-            <a:pPr>
-              <a:buNone/>
-            </a:pPr>
-            <a:endParaRPr lang="es-ES" dirty="0"/>
-          </a:p>
-          <a:p>
-            <a:pPr>
-              <a:buNone/>
-            </a:pPr>
-            <a:r>
-              <a:rPr lang="es-ES" dirty="0" smtClean="0"/>
-              <a:t>                            FINALMENTE…</a:t>
+            <a:r>
+              <a:rPr lang="es-ES" dirty="0" smtClean="0"/>
+              <a:t>APROVECHÉ LA </a:t>
+            </a:r>
+            <a:r>
+              <a:rPr lang="es-ES" dirty="0" smtClean="0"/>
+              <a:t>BASE DE DATOS DE MONGO DONDE SE ENCUENTRAN LAS RESEÑAS CON SU </a:t>
+            </a:r>
+            <a:r>
+              <a:rPr lang="es-ES" dirty="0" smtClean="0"/>
+              <a:t>USUARIO,TÍTULO</a:t>
+            </a:r>
+            <a:r>
+              <a:rPr lang="es-ES" dirty="0" smtClean="0"/>
+              <a:t>, Y CALIFICACIONES PARA HACER UN PAR DE </a:t>
+            </a:r>
+            <a:r>
+              <a:rPr lang="es-ES" dirty="0" smtClean="0"/>
+              <a:t>GRÁFICAS</a:t>
             </a:r>
             <a:endParaRPr lang="es-ES" dirty="0"/>
           </a:p>
@@ -4270,35 +4358,35 @@
           <a:p>
             <a:r>
               <a:rPr lang="es-ES" dirty="0" smtClean="0"/>
-              <a:t>GRAFICANDO MIS RESEÑAS</a:t>
+              <a:t>Gráfico películas</a:t>
             </a:r>
             <a:endParaRPr lang="es-ES" dirty="0"/>
           </a:p>
         </p:txBody>
       </p:sp>
-      <p:sp>
-        <p:nvSpPr>
-          <p:cNvPr id="3" name="2 Marcador de contenido"/>
-          <p:cNvSpPr>
-            <a:spLocks noGrp="1"/>
-          </p:cNvSpPr>
+      <p:pic>
+        <p:nvPicPr>
+          <p:cNvPr id="4" name="3 Marcador de contenido" descr="grafico_peliculas.png"/>
+          <p:cNvPicPr>
+            <a:picLocks noGrp="1" noChangeAspect="1"/>
+          </p:cNvPicPr>
           <p:nvPr>
             <p:ph idx="1"/>
           </p:nvPr>
-        </p:nvSpPr>
-        <p:spPr/>
-        <p:txBody>
-          <a:bodyPr/>
-          <a:lstStyle/>
-          <a:p>
-            <a:r>
-              <a:rPr lang="es-ES" dirty="0" smtClean="0"/>
-              <a:t>APROVECHE LA BASE DE DATOS DE MONGO DONDE SE ENCUENTRAN LAS RESEÑAS CON SU USUARIO,TITULO, Y CALIFICACIONES PARA HACER UN PAR DE GRAFICAS</a:t>
-            </a:r>
-            <a:endParaRPr lang="es-ES" dirty="0"/>
-          </a:p>
-        </p:txBody>
-      </p:sp>
+        </p:nvPicPr>
+        <p:blipFill>
+          <a:blip r:embed="rId2"/>
+          <a:stretch>
+            <a:fillRect/>
+          </a:stretch>
+        </p:blipFill>
+        <p:spPr>
+          <a:xfrm>
+            <a:off x="0" y="2500306"/>
+            <a:ext cx="8682084" cy="2705415"/>
+          </a:xfrm>
+        </p:spPr>
+      </p:pic>
     </p:spTree>
   </p:cSld>
   <p:clrMapOvr>
@@ -4346,10 +4434,6 @@
           <a:bodyPr/>
           <a:lstStyle/>
           <a:p>
-            <a:r>
-              <a:rPr lang="es-ES" dirty="0" smtClean="0"/>
-              <a:t>PROYECTO</a:t>
-            </a:r>
             <a:endParaRPr lang="es-ES" dirty="0"/>
           </a:p>
         </p:txBody>
@@ -4369,21 +4453,24 @@
           <a:bodyPr/>
           <a:lstStyle/>
           <a:p>
-            <a:r>
-              <a:rPr lang="es-ES" dirty="0" smtClean="0"/>
-              <a:t>HE CREADO UNA BASE DE DATOS EN MONGO DB A TRAVES DE UNA API USANDO FLASK.</a:t>
-            </a:r>
-          </a:p>
-          <a:p>
-            <a:r>
-              <a:rPr lang="es-ES" dirty="0" smtClean="0"/>
-              <a:t>CON ESTA API SE PODRAN CREAR USUARIOS, ESPACIOS DE PELICULAS PARA AÑADIR POSTERIORMENTE RESEÑAS SOBRE ELLAS.</a:t>
-            </a:r>
-          </a:p>
-          <a:p>
-            <a:r>
-              <a:rPr lang="es-ES" dirty="0" smtClean="0"/>
-              <a:t>EN EL MOMENTO DE AÑADIR UNA RESEÑA, EL SERVIDOR TE DEVOLVERÁ EL SENTIMIENTO DE ESA RESEÑA ( POSITIVA O NEGATIVA)</a:t>
+            <a:pPr algn="ctr">
+              <a:buNone/>
+            </a:pPr>
+            <a:endParaRPr lang="es-ES" dirty="0" smtClean="0"/>
+          </a:p>
+          <a:p>
+            <a:pPr algn="ctr">
+              <a:buNone/>
+            </a:pPr>
+            <a:endParaRPr lang="es-ES" dirty="0"/>
+          </a:p>
+          <a:p>
+            <a:pPr algn="ctr">
+              <a:buNone/>
+            </a:pPr>
+            <a:r>
+              <a:rPr lang="es-ES" dirty="0" smtClean="0"/>
+              <a:t>FASES</a:t>
             </a:r>
           </a:p>
         </p:txBody>
@@ -4437,11 +4524,11 @@
           <a:p>
             <a:r>
               <a:rPr lang="es-ES" dirty="0" smtClean="0"/>
-              <a:t>Grafico </a:t>
-            </a:r>
-            <a:r>
-              <a:rPr lang="es-ES" dirty="0" err="1" smtClean="0"/>
-              <a:t>peliculas</a:t>
+              <a:t>Gráfico </a:t>
+            </a:r>
+            <a:r>
+              <a:rPr lang="es-ES" dirty="0" smtClean="0"/>
+              <a:t>usuarios</a:t>
             </a:r>
             <a:endParaRPr lang="es-ES" dirty="0"/>
           </a:p>
@@ -4449,7 +4536,7 @@
       </p:sp>
       <p:pic>
         <p:nvPicPr>
-          <p:cNvPr id="4" name="3 Marcador de contenido" descr="grafico_peliculas.png"/>
+          <p:cNvPr id="4" name="3 Marcador de contenido" descr="grafico_usuarios.png"/>
           <p:cNvPicPr>
             <a:picLocks noGrp="1" noChangeAspect="1"/>
           </p:cNvPicPr>
@@ -4465,8 +4552,8 @@
         </p:blipFill>
         <p:spPr>
           <a:xfrm>
-            <a:off x="0" y="2500306"/>
-            <a:ext cx="8682084" cy="2705415"/>
+            <a:off x="457200" y="2539807"/>
+            <a:ext cx="8229600" cy="2646749"/>
           </a:xfrm>
         </p:spPr>
       </p:pic>
@@ -4519,35 +4606,70 @@
           <a:p>
             <a:r>
               <a:rPr lang="es-ES" dirty="0" smtClean="0"/>
-              <a:t>Grafico usuarios</a:t>
+              <a:t>HERRAMIENTAS</a:t>
             </a:r>
             <a:endParaRPr lang="es-ES" dirty="0"/>
           </a:p>
         </p:txBody>
       </p:sp>
-      <p:pic>
-        <p:nvPicPr>
-          <p:cNvPr id="4" name="3 Marcador de contenido" descr="grafico_usuarios.png"/>
-          <p:cNvPicPr>
-            <a:picLocks noGrp="1" noChangeAspect="1"/>
-          </p:cNvPicPr>
+      <p:sp>
+        <p:nvSpPr>
+          <p:cNvPr id="3" name="2 Marcador de contenido"/>
+          <p:cNvSpPr>
+            <a:spLocks noGrp="1"/>
+          </p:cNvSpPr>
           <p:nvPr>
             <p:ph idx="1"/>
           </p:nvPr>
-        </p:nvPicPr>
-        <p:blipFill>
-          <a:blip r:embed="rId2"/>
-          <a:stretch>
-            <a:fillRect/>
-          </a:stretch>
-        </p:blipFill>
-        <p:spPr>
-          <a:xfrm>
-            <a:off x="457200" y="2539807"/>
-            <a:ext cx="8229600" cy="2646749"/>
-          </a:xfrm>
-        </p:spPr>
-      </p:pic>
+        </p:nvSpPr>
+        <p:spPr/>
+        <p:txBody>
+          <a:bodyPr/>
+          <a:lstStyle/>
+          <a:p>
+            <a:r>
+              <a:rPr lang="es-ES" dirty="0" smtClean="0"/>
+              <a:t>PYTHON </a:t>
+            </a:r>
+          </a:p>
+          <a:p>
+            <a:r>
+              <a:rPr lang="es-ES" dirty="0" smtClean="0"/>
+              <a:t>MONGO DB </a:t>
+            </a:r>
+          </a:p>
+          <a:p>
+            <a:r>
+              <a:rPr lang="es-ES" dirty="0" smtClean="0"/>
+              <a:t>FLASK PARA LA API</a:t>
+            </a:r>
+          </a:p>
+          <a:p>
+            <a:r>
+              <a:rPr lang="es-ES" dirty="0" smtClean="0"/>
+              <a:t>LIBRERÍA KERAS</a:t>
+            </a:r>
+          </a:p>
+          <a:p>
+            <a:r>
+              <a:rPr lang="es-ES" dirty="0" smtClean="0"/>
+              <a:t>NLTK</a:t>
+            </a:r>
+          </a:p>
+          <a:p>
+            <a:r>
+              <a:rPr lang="es-ES" dirty="0" smtClean="0"/>
+              <a:t>SKLEARN</a:t>
+            </a:r>
+          </a:p>
+          <a:p>
+            <a:r>
+              <a:rPr lang="es-ES" dirty="0" smtClean="0"/>
+              <a:t>POSTMAN PARA IR VALIDANDO LA API…</a:t>
+            </a:r>
+          </a:p>
+        </p:txBody>
+      </p:sp>
     </p:spTree>
   </p:cSld>
   <p:clrMapOvr>
@@ -4564,112 +4686,6 @@
 </file>
 
 <file path=ppt/slides/slide22.xml><?xml version="1.0" encoding="utf-8"?>
-<p:sld xmlns:a="http://schemas.openxmlformats.org/drawingml/2006/main" xmlns:r="http://schemas.openxmlformats.org/officeDocument/2006/relationships" xmlns:p="http://schemas.openxmlformats.org/presentationml/2006/main">
-  <p:cSld>
-    <p:spTree>
-      <p:nvGrpSpPr>
-        <p:cNvPr id="1" name=""/>
-        <p:cNvGrpSpPr/>
-        <p:nvPr/>
-      </p:nvGrpSpPr>
-      <p:grpSpPr>
-        <a:xfrm>
-          <a:off x="0" y="0"/>
-          <a:ext cx="0" cy="0"/>
-          <a:chOff x="0" y="0"/>
-          <a:chExt cx="0" cy="0"/>
-        </a:xfrm>
-      </p:grpSpPr>
-      <p:sp>
-        <p:nvSpPr>
-          <p:cNvPr id="2" name="1 Título"/>
-          <p:cNvSpPr>
-            <a:spLocks noGrp="1"/>
-          </p:cNvSpPr>
-          <p:nvPr>
-            <p:ph type="title"/>
-          </p:nvPr>
-        </p:nvSpPr>
-        <p:spPr/>
-        <p:txBody>
-          <a:bodyPr/>
-          <a:lstStyle/>
-          <a:p>
-            <a:r>
-              <a:rPr lang="es-ES" dirty="0" smtClean="0"/>
-              <a:t>HERRAMIENTAS</a:t>
-            </a:r>
-            <a:endParaRPr lang="es-ES" dirty="0"/>
-          </a:p>
-        </p:txBody>
-      </p:sp>
-      <p:sp>
-        <p:nvSpPr>
-          <p:cNvPr id="3" name="2 Marcador de contenido"/>
-          <p:cNvSpPr>
-            <a:spLocks noGrp="1"/>
-          </p:cNvSpPr>
-          <p:nvPr>
-            <p:ph idx="1"/>
-          </p:nvPr>
-        </p:nvSpPr>
-        <p:spPr/>
-        <p:txBody>
-          <a:bodyPr/>
-          <a:lstStyle/>
-          <a:p>
-            <a:r>
-              <a:rPr lang="es-ES" dirty="0" smtClean="0"/>
-              <a:t>PYTHON </a:t>
-            </a:r>
-          </a:p>
-          <a:p>
-            <a:r>
-              <a:rPr lang="es-ES" dirty="0" smtClean="0"/>
-              <a:t>MONGO DB </a:t>
-            </a:r>
-          </a:p>
-          <a:p>
-            <a:r>
-              <a:rPr lang="es-ES" dirty="0" smtClean="0"/>
-              <a:t>FLASK PARA LA API</a:t>
-            </a:r>
-          </a:p>
-          <a:p>
-            <a:r>
-              <a:rPr lang="es-ES" dirty="0" smtClean="0"/>
-              <a:t>LIBRERÍA KERAS</a:t>
-            </a:r>
-          </a:p>
-          <a:p>
-            <a:r>
-              <a:rPr lang="es-ES" dirty="0" smtClean="0"/>
-              <a:t>NLTK</a:t>
-            </a:r>
-          </a:p>
-          <a:p>
-            <a:r>
-              <a:rPr lang="es-ES" dirty="0" smtClean="0"/>
-              <a:t>SKLEARN</a:t>
-            </a:r>
-          </a:p>
-          <a:p>
-            <a:r>
-              <a:rPr lang="es-ES" dirty="0" smtClean="0"/>
-              <a:t>POSTMAN PARA IR VALIDANDO LA API…</a:t>
-            </a:r>
-          </a:p>
-        </p:txBody>
-      </p:sp>
-    </p:spTree>
-  </p:cSld>
-  <p:clrMapOvr>
-    <a:masterClrMapping/>
-  </p:clrMapOvr>
-</p:sld>
-</file>
-
-<file path=ppt/slides/slide23.xml><?xml version="1.0" encoding="utf-8"?>
 <p:sld xmlns:a="http://schemas.openxmlformats.org/drawingml/2006/main" xmlns:r="http://schemas.openxmlformats.org/officeDocument/2006/relationships" xmlns:p="http://schemas.openxmlformats.org/presentationml/2006/main">
   <p:cSld>
     <p:spTree>
@@ -4779,6 +4795,10 @@
           <a:bodyPr/>
           <a:lstStyle/>
           <a:p>
+            <a:r>
+              <a:rPr lang="es-ES" dirty="0" smtClean="0"/>
+              <a:t>LIMPIEZA DEL DATASET</a:t>
+            </a:r>
             <a:endParaRPr lang="es-ES" dirty="0"/>
           </a:p>
         </p:txBody>
@@ -4795,28 +4815,123 @@
         </p:nvSpPr>
         <p:spPr/>
         <p:txBody>
-          <a:bodyPr/>
-          <a:lstStyle/>
-          <a:p>
-            <a:pPr algn="ctr">
+          <a:bodyPr>
+            <a:normAutofit fontScale="92500" lnSpcReduction="10000"/>
+          </a:bodyPr>
+          <a:lstStyle/>
+          <a:p>
+            <a:pPr>
+              <a:buNone/>
+            </a:pPr>
+            <a:r>
+              <a:rPr lang="es-ES" sz="2400" dirty="0" smtClean="0"/>
+              <a:t>CONTABA CON UN DATASETS CON 50000 RESEÑAS DE </a:t>
+            </a:r>
+            <a:r>
+              <a:rPr lang="es-ES" sz="2400" dirty="0" smtClean="0"/>
+              <a:t>PELÍCULAS </a:t>
+            </a:r>
+            <a:r>
+              <a:rPr lang="es-ES" sz="2400" dirty="0" smtClean="0"/>
+              <a:t>DE </a:t>
+            </a:r>
+          </a:p>
+          <a:p>
+            <a:pPr>
+              <a:buNone/>
+            </a:pPr>
+            <a:r>
+              <a:rPr lang="es-ES" sz="2400" dirty="0" smtClean="0"/>
+              <a:t>IBDM, DONDE LAS CLASIFICABA COMO POSITIVAS O NEGATIVAS.</a:t>
+            </a:r>
+          </a:p>
+          <a:p>
+            <a:pPr>
+              <a:buNone/>
+            </a:pPr>
+            <a:endParaRPr lang="es-ES" sz="2400" dirty="0" smtClean="0"/>
+          </a:p>
+          <a:p>
+            <a:pPr>
+              <a:buNone/>
+            </a:pPr>
+            <a:r>
+              <a:rPr lang="es-ES" sz="2400" dirty="0" smtClean="0"/>
+              <a:t>#COLUMNA RESEÑAS</a:t>
+            </a:r>
+          </a:p>
+          <a:p>
+            <a:pPr>
+              <a:buNone/>
+            </a:pPr>
+            <a:r>
+              <a:rPr lang="es-ES" sz="2400" dirty="0" smtClean="0"/>
+              <a:t>-LIMPIEZA ETIQUETAS HTML</a:t>
+            </a:r>
+          </a:p>
+          <a:p>
+            <a:pPr>
+              <a:buNone/>
+            </a:pPr>
+            <a:r>
+              <a:rPr lang="es-ES" sz="2400" dirty="0" smtClean="0"/>
+              <a:t>-SIGNOS DE </a:t>
+            </a:r>
+            <a:r>
+              <a:rPr lang="es-ES" sz="2400" dirty="0" smtClean="0"/>
+              <a:t>PUNTUACIÓN</a:t>
+            </a:r>
+            <a:endParaRPr lang="es-ES" sz="2400" dirty="0" smtClean="0"/>
+          </a:p>
+          <a:p>
+            <a:pPr>
+              <a:buNone/>
+            </a:pPr>
+            <a:r>
+              <a:rPr lang="es-ES" sz="2400" dirty="0" smtClean="0"/>
+              <a:t>-ESPACIOS EN BLANCO </a:t>
+            </a:r>
+            <a:r>
+              <a:rPr lang="es-ES" sz="2400" dirty="0" smtClean="0"/>
+              <a:t>MÚLTIPLES</a:t>
+            </a:r>
+            <a:endParaRPr lang="es-ES" sz="2400" dirty="0" smtClean="0"/>
+          </a:p>
+          <a:p>
+            <a:pPr>
+              <a:buNone/>
+            </a:pPr>
+            <a:r>
+              <a:rPr lang="es-ES" sz="2400" dirty="0" smtClean="0"/>
+              <a:t>-PALABRAS IRRELEVANTES COMO PREPOSICIONES, CADENAS CORTAS ETC…</a:t>
+            </a:r>
+          </a:p>
+          <a:p>
+            <a:pPr>
+              <a:buNone/>
+            </a:pPr>
+            <a:endParaRPr lang="es-ES" sz="2400" dirty="0"/>
+          </a:p>
+          <a:p>
+            <a:pPr>
+              <a:buNone/>
+            </a:pPr>
+            <a:r>
+              <a:rPr lang="es-ES" sz="2400" dirty="0" smtClean="0"/>
+              <a:t>#COLUMNA ETIQUETAS</a:t>
+            </a:r>
+          </a:p>
+          <a:p>
+            <a:r>
+              <a:rPr lang="es-ES" sz="2400" dirty="0" smtClean="0"/>
+              <a:t>SUSTITUIR POSITIVO O NEGATIVO POR 1 Y 0.</a:t>
+            </a:r>
+          </a:p>
+          <a:p>
+            <a:pPr>
               <a:buNone/>
             </a:pPr>
             <a:endParaRPr lang="es-ES" dirty="0" smtClean="0"/>
-          </a:p>
-          <a:p>
-            <a:pPr algn="ctr">
-              <a:buNone/>
-            </a:pPr>
-            <a:endParaRPr lang="es-ES" dirty="0"/>
-          </a:p>
-          <a:p>
-            <a:pPr algn="ctr">
-              <a:buNone/>
-            </a:pPr>
-            <a:r>
-              <a:rPr lang="es-ES" dirty="0" smtClean="0"/>
-              <a:t>FASES</a:t>
-            </a:r>
           </a:p>
         </p:txBody>
       </p:sp>
@@ -4869,7 +4984,7 @@
           <a:p>
             <a:r>
               <a:rPr lang="es-ES" dirty="0" smtClean="0"/>
-              <a:t>LIMPIEZA DE DATASETS</a:t>
+              <a:t>EJEMPLO</a:t>
             </a:r>
             <a:endParaRPr lang="es-ES" dirty="0"/>
           </a:p>
@@ -4890,12 +5005,124 @@
           <a:bodyPr/>
           <a:lstStyle/>
           <a:p>
+            <a:r>
+              <a:rPr lang="en-US" dirty="0" err="1" smtClean="0"/>
+              <a:t>positiva</a:t>
+            </a:r>
+            <a:r>
+              <a:rPr lang="en-US" dirty="0" smtClean="0"/>
+              <a:t> = "</a:t>
+            </a:r>
+            <a:r>
+              <a:rPr lang="en-US" dirty="0" err="1" smtClean="0"/>
+              <a:t>Nomadland</a:t>
+            </a:r>
+            <a:r>
+              <a:rPr lang="en-US" dirty="0" smtClean="0"/>
+              <a:t> is a humanist masterpiece ... This is a quiet film, but never a dull one, with shots and themes that will continue to resonate “</a:t>
+            </a:r>
+          </a:p>
+          <a:p>
+            <a:r>
+              <a:rPr lang="es-ES" dirty="0" smtClean="0"/>
+              <a:t>['</a:t>
+            </a:r>
+            <a:r>
+              <a:rPr lang="es-ES" dirty="0" err="1" smtClean="0"/>
+              <a:t>nomadland</a:t>
+            </a:r>
+            <a:r>
+              <a:rPr lang="es-ES" dirty="0" smtClean="0"/>
+              <a:t>', '</a:t>
+            </a:r>
+            <a:r>
+              <a:rPr lang="es-ES" dirty="0" err="1" smtClean="0"/>
+              <a:t>humanist</a:t>
+            </a:r>
+            <a:r>
+              <a:rPr lang="es-ES" dirty="0" smtClean="0"/>
+              <a:t>', '</a:t>
+            </a:r>
+            <a:r>
+              <a:rPr lang="es-ES" dirty="0" err="1" smtClean="0"/>
+              <a:t>masterpiece</a:t>
+            </a:r>
+            <a:r>
+              <a:rPr lang="es-ES" dirty="0" smtClean="0"/>
+              <a:t>', '</a:t>
+            </a:r>
+            <a:r>
+              <a:rPr lang="es-ES" dirty="0" err="1" smtClean="0"/>
+              <a:t>quiet</a:t>
+            </a:r>
+            <a:r>
+              <a:rPr lang="es-ES" dirty="0" smtClean="0"/>
+              <a:t>’,  “film”, “</a:t>
+            </a:r>
+            <a:r>
+              <a:rPr lang="es-ES" dirty="0" err="1" smtClean="0"/>
+              <a:t>never</a:t>
+            </a:r>
+            <a:r>
+              <a:rPr lang="es-ES" dirty="0" smtClean="0"/>
+              <a:t>”, “</a:t>
+            </a:r>
+            <a:r>
+              <a:rPr lang="es-ES" dirty="0" err="1" smtClean="0"/>
+              <a:t>dull</a:t>
+            </a:r>
+            <a:r>
+              <a:rPr lang="es-ES" dirty="0" smtClean="0"/>
+              <a:t>”, “</a:t>
+            </a:r>
+            <a:r>
+              <a:rPr lang="es-ES" dirty="0" err="1" smtClean="0"/>
+              <a:t>one</a:t>
+            </a:r>
+            <a:r>
+              <a:rPr lang="es-ES" dirty="0" smtClean="0"/>
+              <a:t>”, “</a:t>
+            </a:r>
+            <a:r>
+              <a:rPr lang="es-ES" dirty="0" err="1" smtClean="0"/>
+              <a:t>shots</a:t>
+            </a:r>
+            <a:r>
+              <a:rPr lang="es-ES" dirty="0" smtClean="0"/>
+              <a:t>”, </a:t>
+            </a:r>
+          </a:p>
+          <a:p>
             <a:pPr>
               <a:buNone/>
             </a:pPr>
             <a:r>
-              <a:rPr lang="es-ES" sz="2400" dirty="0" smtClean="0"/>
-              <a:t>#COLUMNA RESEÑAS</a:t>
+              <a:rPr lang="es-ES" dirty="0" smtClean="0"/>
+              <a:t>“,</a:t>
+            </a:r>
+            <a:r>
+              <a:rPr lang="es-ES" dirty="0" err="1" smtClean="0"/>
+              <a:t>themes</a:t>
+            </a:r>
+            <a:r>
+              <a:rPr lang="es-ES" dirty="0" smtClean="0"/>
+              <a:t>”, “</a:t>
+            </a:r>
+            <a:r>
+              <a:rPr lang="es-ES" dirty="0" err="1" smtClean="0"/>
+              <a:t>continue</a:t>
+            </a:r>
+            <a:r>
+              <a:rPr lang="es-ES" dirty="0" smtClean="0"/>
+              <a:t>”, “</a:t>
+            </a:r>
+            <a:r>
+              <a:rPr lang="es-ES" dirty="0" err="1" smtClean="0"/>
+              <a:t>resonate</a:t>
+            </a:r>
+            <a:r>
+              <a:rPr lang="es-ES" dirty="0" smtClean="0"/>
+              <a:t>”]</a:t>
             </a:r>
           </a:p>
           <a:p>
@@ -4903,63 +5130,15 @@
               <a:buNone/>
             </a:pPr>
             <a:r>
-              <a:rPr lang="es-ES" sz="2400" dirty="0" smtClean="0"/>
-              <a:t>-LIMPIEZA ETIQUETAS HTML</a:t>
-            </a:r>
-          </a:p>
-          <a:p>
-            <a:pPr>
-              <a:buNone/>
-            </a:pPr>
-            <a:r>
-              <a:rPr lang="es-ES" sz="2400" dirty="0" smtClean="0"/>
-              <a:t>-SIGNOS DE PUNTUACION</a:t>
-            </a:r>
-          </a:p>
-          <a:p>
-            <a:pPr>
-              <a:buNone/>
-            </a:pPr>
-            <a:r>
-              <a:rPr lang="es-ES" sz="2400" dirty="0" smtClean="0"/>
-              <a:t>-ESPACIOS EN BLANCO MULTIPLES</a:t>
-            </a:r>
-          </a:p>
-          <a:p>
-            <a:pPr>
-              <a:buNone/>
-            </a:pPr>
-            <a:r>
-              <a:rPr lang="es-ES" sz="2400" dirty="0" smtClean="0"/>
-              <a:t>-PALABRAS IRRELEVANTES COMO PREPOSICIONES, CADENAS CORTAS ETC…</a:t>
-            </a:r>
-          </a:p>
-          <a:p>
-            <a:pPr>
-              <a:buNone/>
-            </a:pPr>
-            <a:endParaRPr lang="es-ES" sz="2400" dirty="0"/>
-          </a:p>
-          <a:p>
-            <a:pPr>
-              <a:buNone/>
-            </a:pPr>
-            <a:r>
-              <a:rPr lang="es-ES" sz="2400" dirty="0" smtClean="0"/>
-              <a:t>#COLUMNA ETIQUETAS</a:t>
-            </a:r>
-          </a:p>
-          <a:p>
-            <a:r>
-              <a:rPr lang="es-ES" sz="2400" dirty="0" smtClean="0"/>
-              <a:t>SUSTITUIR POSITIVO O NEGATIVO POR 1 Y 0.</a:t>
-            </a:r>
-          </a:p>
-          <a:p>
-            <a:pPr>
-              <a:buNone/>
-            </a:pPr>
+              <a:rPr lang="es-ES" dirty="0" smtClean="0"/>
+              <a:t>    [45,84,564,21,48,74,96,23,89,77]</a:t>
+            </a:r>
+          </a:p>
+          <a:p>
             <a:endParaRPr lang="es-ES" dirty="0" smtClean="0"/>
+          </a:p>
+          <a:p>
+            <a:endParaRPr lang="es-ES" dirty="0"/>
           </a:p>
         </p:txBody>
       </p:sp>
@@ -5007,12 +5186,18 @@
         </p:nvSpPr>
         <p:spPr/>
         <p:txBody>
-          <a:bodyPr/>
-          <a:lstStyle/>
-          <a:p>
-            <a:r>
-              <a:rPr lang="es-ES" dirty="0" smtClean="0"/>
-              <a:t>EJEMPLO</a:t>
+          <a:bodyPr>
+            <a:normAutofit fontScale="90000"/>
+          </a:bodyPr>
+          <a:lstStyle/>
+          <a:p>
+            <a:r>
+              <a:rPr lang="es-ES" dirty="0" smtClean="0"/>
+              <a:t>Modelo RED NEURONAL Simple Multicapa </a:t>
+            </a:r>
+            <a:r>
+              <a:rPr lang="es-ES" dirty="0" err="1" smtClean="0"/>
+              <a:t>Perceptron</a:t>
             </a:r>
             <a:endParaRPr lang="es-ES" dirty="0"/>
           </a:p>
@@ -5020,7 +5205,7 @@
       </p:sp>
       <p:sp>
         <p:nvSpPr>
-          <p:cNvPr id="6" name="5 Marcador de contenido"/>
+          <p:cNvPr id="3" name="2 Marcador de contenido"/>
           <p:cNvSpPr>
             <a:spLocks noGrp="1"/>
           </p:cNvSpPr>
@@ -5030,83 +5215,62 @@
         </p:nvSpPr>
         <p:spPr/>
         <p:txBody>
-          <a:bodyPr/>
-          <a:lstStyle/>
-          <a:p>
-            <a:r>
-              <a:rPr lang="en-US" dirty="0" err="1" smtClean="0"/>
-              <a:t>positiva</a:t>
-            </a:r>
-            <a:r>
-              <a:rPr lang="en-US" dirty="0" smtClean="0"/>
-              <a:t> = "</a:t>
-            </a:r>
-            <a:r>
-              <a:rPr lang="en-US" dirty="0" err="1" smtClean="0"/>
-              <a:t>Nomadland</a:t>
-            </a:r>
-            <a:r>
-              <a:rPr lang="en-US" dirty="0" smtClean="0"/>
-              <a:t> is a humanist masterpiece ... This is a quiet film, but never a dull one, with shots and themes that will continue to resonate “</a:t>
-            </a:r>
-          </a:p>
-          <a:p>
-            <a:endParaRPr lang="en-US" dirty="0"/>
-          </a:p>
-          <a:p>
-            <a:r>
-              <a:rPr lang="es-ES" dirty="0" smtClean="0"/>
-              <a:t>['</a:t>
-            </a:r>
-            <a:r>
-              <a:rPr lang="es-ES" dirty="0" err="1" smtClean="0"/>
-              <a:t>nomadland</a:t>
-            </a:r>
-            <a:r>
-              <a:rPr lang="es-ES" dirty="0" smtClean="0"/>
-              <a:t>', '</a:t>
-            </a:r>
-            <a:r>
-              <a:rPr lang="es-ES" dirty="0" err="1" smtClean="0"/>
-              <a:t>humanist</a:t>
-            </a:r>
-            <a:r>
-              <a:rPr lang="es-ES" dirty="0" smtClean="0"/>
-              <a:t>', '</a:t>
-            </a:r>
-            <a:r>
-              <a:rPr lang="es-ES" dirty="0" err="1" smtClean="0"/>
-              <a:t>masterpiece</a:t>
-            </a:r>
-            <a:r>
-              <a:rPr lang="es-ES" dirty="0" smtClean="0"/>
-              <a:t>', '</a:t>
-            </a:r>
-            <a:r>
-              <a:rPr lang="es-ES" dirty="0" err="1" smtClean="0"/>
-              <a:t>quiet</a:t>
-            </a:r>
-            <a:r>
-              <a:rPr lang="es-ES" dirty="0" smtClean="0"/>
-              <a:t>’, ‘film’, </a:t>
-            </a:r>
-            <a:r>
-              <a:rPr lang="es-ES" dirty="0" err="1" smtClean="0"/>
-              <a:t>resonate</a:t>
-            </a:r>
-            <a:r>
-              <a:rPr lang="es-ES" dirty="0" smtClean="0"/>
-              <a:t>’]</a:t>
-            </a:r>
-          </a:p>
-          <a:p>
-            <a:r>
-              <a:rPr lang="es-ES" dirty="0" smtClean="0"/>
-              <a:t>[41,33,884,7,9,5]</a:t>
-            </a:r>
-          </a:p>
-          <a:p>
-            <a:endParaRPr lang="es-ES" dirty="0"/>
+          <a:bodyPr>
+            <a:normAutofit lnSpcReduction="10000"/>
+          </a:bodyPr>
+          <a:lstStyle/>
+          <a:p>
+            <a:pPr>
+              <a:buNone/>
+            </a:pPr>
+            <a:endParaRPr lang="es-ES" dirty="0" smtClean="0"/>
+          </a:p>
+          <a:p>
+            <a:r>
+              <a:rPr lang="es-ES" dirty="0" smtClean="0"/>
+              <a:t>DIVISION 80 TRAIN 20 PRUEBA</a:t>
+            </a:r>
+          </a:p>
+          <a:p>
+            <a:pPr>
+              <a:buNone/>
+            </a:pPr>
+            <a:endParaRPr lang="es-ES" dirty="0" smtClean="0"/>
+          </a:p>
+          <a:p>
+            <a:r>
+              <a:rPr lang="es-ES" dirty="0" smtClean="0"/>
+              <a:t>5000 PALABRAS MÁS FRECUENTES DE TODAS LAS RESEÑAS</a:t>
+            </a:r>
+          </a:p>
+          <a:p>
+            <a:r>
+              <a:rPr lang="es-ES" dirty="0" smtClean="0"/>
+              <a:t>LIMITACIÓN </a:t>
+            </a:r>
+            <a:r>
+              <a:rPr lang="es-ES" dirty="0" smtClean="0"/>
+              <a:t>RESEÑAS A 100 PALABRAS, PARA ACOTAR LAS RESEÑAS O RELLENARSE CON CEROS (MEJOR ACOTAR A RELLENAR CON CEROS</a:t>
+            </a:r>
+            <a:r>
+              <a:rPr lang="es-ES" dirty="0" smtClean="0"/>
+              <a:t>)</a:t>
+            </a:r>
+          </a:p>
+          <a:p>
+            <a:pPr>
+              <a:buNone/>
+            </a:pPr>
+            <a:endParaRPr lang="es-ES" dirty="0" smtClean="0"/>
+          </a:p>
+          <a:p>
+            <a:endParaRPr lang="es-ES" dirty="0" smtClean="0"/>
+          </a:p>
+          <a:p>
+            <a:endParaRPr lang="es-ES" dirty="0" smtClean="0"/>
+          </a:p>
+          <a:p>
+            <a:endParaRPr lang="es-ES" dirty="0" smtClean="0"/>
           </a:p>
         </p:txBody>
       </p:sp>
@@ -5154,26 +5318,16 @@
         </p:nvSpPr>
         <p:spPr/>
         <p:txBody>
-          <a:bodyPr>
-            <a:normAutofit fontScale="90000"/>
-          </a:bodyPr>
-          <a:lstStyle/>
-          <a:p>
-            <a:r>
-              <a:rPr lang="es-ES" dirty="0" smtClean="0"/>
-              <a:t>Modelo RED NEURONAL Simple Multicapa </a:t>
-            </a:r>
-            <a:r>
-              <a:rPr lang="es-ES" dirty="0" err="1" smtClean="0"/>
-              <a:t>Perceptron</a:t>
-            </a:r>
-            <a:endParaRPr lang="es-ES" dirty="0"/>
-          </a:p>
-        </p:txBody>
-      </p:sp>
-      <p:sp>
-        <p:nvSpPr>
-          <p:cNvPr id="3" name="2 Marcador de contenido"/>
+          <a:bodyPr/>
+          <a:lstStyle/>
+          <a:p>
+            <a:endParaRPr lang="es-ES"/>
+          </a:p>
+        </p:txBody>
+      </p:sp>
+      <p:sp>
+        <p:nvSpPr>
+          <p:cNvPr id="5" name="4 Marcador de contenido"/>
           <p:cNvSpPr>
             <a:spLocks noGrp="1"/>
           </p:cNvSpPr>
@@ -5190,8 +5344,71 @@
           <a:p>
             <a:r>
               <a:rPr lang="es-ES" dirty="0" smtClean="0"/>
-              <a:t>DE TODAS LAS PALABRAS DE TODAS LAS RESEÑAS ME QUEDE CON LAS 5000 MAS FRECUENTES PARA ENTRENAR EL MODELO, Y MEDIANTE LA LIBRERÍA TOKENIZER CONVERTI LAS PALABRAS EN NUMEROS, DEJANDO UNA ENTRADA EN LA RED NEURONAL DE 100 NUMEROS POR RESEÑA.</a:t>
-            </a:r>
+              <a:t>scores = </a:t>
+            </a:r>
+            <a:r>
+              <a:rPr lang="es-ES" dirty="0" err="1" smtClean="0"/>
+              <a:t>model.evaluate</a:t>
+            </a:r>
+            <a:r>
+              <a:rPr lang="es-ES" dirty="0" smtClean="0"/>
+              <a:t>(</a:t>
+            </a:r>
+            <a:r>
+              <a:rPr lang="es-ES" dirty="0" err="1" smtClean="0"/>
+              <a:t>X_test</a:t>
+            </a:r>
+            <a:r>
+              <a:rPr lang="es-ES" dirty="0" smtClean="0"/>
+              <a:t>, </a:t>
+            </a:r>
+            <a:r>
+              <a:rPr lang="es-ES" dirty="0" err="1" smtClean="0"/>
+              <a:t>y_test</a:t>
+            </a:r>
+            <a:r>
+              <a:rPr lang="es-ES" dirty="0" smtClean="0"/>
+              <a:t>, </a:t>
+            </a:r>
+            <a:r>
+              <a:rPr lang="es-ES" dirty="0" err="1" smtClean="0"/>
+              <a:t>verbose</a:t>
+            </a:r>
+            <a:r>
+              <a:rPr lang="es-ES" dirty="0" smtClean="0"/>
+              <a:t>=0)</a:t>
+            </a:r>
+          </a:p>
+          <a:p>
+            <a:r>
+              <a:rPr lang="en-US" dirty="0" smtClean="0"/>
+              <a:t>[==============================] - 20s 16ms/step - loss: 0.3561 - accuracy: 0.8382 - </a:t>
+            </a:r>
+            <a:r>
+              <a:rPr lang="en-US" dirty="0" err="1" smtClean="0"/>
+              <a:t>val_loss</a:t>
+            </a:r>
+            <a:r>
+              <a:rPr lang="en-US" dirty="0" smtClean="0"/>
+              <a:t>: 0.3007 - </a:t>
+            </a:r>
+            <a:r>
+              <a:rPr lang="en-US" dirty="0" err="1" smtClean="0"/>
+              <a:t>val_accuracy</a:t>
+            </a:r>
+            <a:r>
+              <a:rPr lang="en-US" dirty="0" smtClean="0"/>
+              <a:t>: 0.8735 </a:t>
+            </a:r>
+            <a:r>
+              <a:rPr lang="en-US" dirty="0" err="1" smtClean="0"/>
+              <a:t>Precisión</a:t>
+            </a:r>
+            <a:r>
+              <a:rPr lang="en-US" dirty="0" smtClean="0"/>
+              <a:t>: 87.35%</a:t>
+            </a:r>
+            <a:endParaRPr lang="es-ES" dirty="0"/>
           </a:p>
         </p:txBody>
       </p:sp>
@@ -5242,7 +5459,11 @@
           <a:bodyPr/>
           <a:lstStyle/>
           <a:p>
-            <a:endParaRPr lang="es-ES"/>
+            <a:r>
+              <a:rPr lang="es-ES" dirty="0" smtClean="0"/>
+              <a:t>MODELO CONVOLUCIONAL</a:t>
+            </a:r>
+            <a:endParaRPr lang="es-ES" dirty="0"/>
           </a:p>
         </p:txBody>
       </p:sp>
@@ -5258,68 +5479,12 @@
         </p:nvSpPr>
         <p:spPr/>
         <p:txBody>
-          <a:bodyPr>
-            <a:normAutofit/>
-          </a:bodyPr>
-          <a:lstStyle/>
-          <a:p>
-            <a:r>
-              <a:rPr lang="es-ES" dirty="0" smtClean="0"/>
-              <a:t>scores = </a:t>
-            </a:r>
-            <a:r>
-              <a:rPr lang="es-ES" dirty="0" err="1" smtClean="0"/>
-              <a:t>model.evaluate</a:t>
-            </a:r>
-            <a:r>
-              <a:rPr lang="es-ES" dirty="0" smtClean="0"/>
-              <a:t>(</a:t>
-            </a:r>
-            <a:r>
-              <a:rPr lang="es-ES" dirty="0" err="1" smtClean="0"/>
-              <a:t>X_test</a:t>
-            </a:r>
-            <a:r>
-              <a:rPr lang="es-ES" dirty="0" smtClean="0"/>
-              <a:t>, </a:t>
-            </a:r>
-            <a:r>
-              <a:rPr lang="es-ES" dirty="0" err="1" smtClean="0"/>
-              <a:t>y_test</a:t>
-            </a:r>
-            <a:r>
-              <a:rPr lang="es-ES" dirty="0" smtClean="0"/>
-              <a:t>, </a:t>
-            </a:r>
-            <a:r>
-              <a:rPr lang="es-ES" dirty="0" err="1" smtClean="0"/>
-              <a:t>verbose</a:t>
-            </a:r>
-            <a:r>
-              <a:rPr lang="es-ES" dirty="0" smtClean="0"/>
-              <a:t>=0)</a:t>
-            </a:r>
-          </a:p>
+          <a:bodyPr/>
+          <a:lstStyle/>
           <a:p>
             <a:r>
               <a:rPr lang="en-US" dirty="0" smtClean="0"/>
-              <a:t>[==============================] - 20s 16ms/step - loss: 0.3561 - accuracy: 0.8382 - </a:t>
-            </a:r>
-            <a:r>
-              <a:rPr lang="en-US" dirty="0" err="1" smtClean="0"/>
-              <a:t>val_loss</a:t>
-            </a:r>
-            <a:r>
-              <a:rPr lang="en-US" dirty="0" smtClean="0"/>
-              <a:t>: 0.3007 - </a:t>
-            </a:r>
-            <a:r>
-              <a:rPr lang="en-US" dirty="0" err="1" smtClean="0"/>
-              <a:t>val_accuracy</a:t>
-            </a:r>
-            <a:r>
-              <a:rPr lang="en-US" dirty="0" smtClean="0"/>
-              <a:t>: 0.8735 </a:t>
+              <a:t>313/313 [==============================] - 3s 10ms/step - loss: 0.6331 - accuracy: 0.7446 </a:t>
             </a:r>
             <a:r>
               <a:rPr lang="en-US" dirty="0" err="1" smtClean="0"/>
@@ -5327,8 +5492,10 @@
             </a:r>
             <a:r>
               <a:rPr lang="en-US" dirty="0" smtClean="0"/>
-              <a:t>: 87.35%</a:t>
-            </a:r>
+              <a:t>: 74.46%</a:t>
+            </a:r>
+          </a:p>
+          <a:p>
             <a:endParaRPr lang="es-ES" dirty="0"/>
           </a:p>
         </p:txBody>
@@ -5382,7 +5549,7 @@
           <a:p>
             <a:r>
               <a:rPr lang="es-ES" dirty="0" smtClean="0"/>
-              <a:t>MODELO CONVOLUCIONAL</a:t>
+              <a:t>PREDICCIONES</a:t>
             </a:r>
             <a:endParaRPr lang="es-ES" dirty="0"/>
           </a:p>
@@ -5390,7 +5557,7 @@
       </p:sp>
       <p:sp>
         <p:nvSpPr>
-          <p:cNvPr id="5" name="4 Marcador de contenido"/>
+          <p:cNvPr id="3" name="2 Marcador de contenido"/>
           <p:cNvSpPr>
             <a:spLocks noGrp="1"/>
           </p:cNvSpPr>
@@ -5400,28 +5567,96 @@
         </p:nvSpPr>
         <p:spPr/>
         <p:txBody>
-          <a:bodyPr/>
-          <a:lstStyle/>
-          <a:p>
-            <a:r>
-              <a:rPr lang="en-US" dirty="0" smtClean="0"/>
-              <a:t>313/313 [==============================] - 3s 10ms/step - loss: 0.6331 - accuracy: 0.7446 </a:t>
-            </a:r>
-            <a:r>
-              <a:rPr lang="en-US" dirty="0" err="1" smtClean="0"/>
-              <a:t>Precisión</a:t>
-            </a:r>
-            <a:r>
-              <a:rPr lang="en-US" dirty="0" smtClean="0"/>
-              <a:t>: 74.46</a:t>
-            </a:r>
-            <a:r>
-              <a:rPr lang="en-US" dirty="0" smtClean="0"/>
-              <a:t>%</a:t>
-            </a:r>
-          </a:p>
-          <a:p>
-            <a:endParaRPr lang="es-ES" dirty="0"/>
+          <a:bodyPr>
+            <a:normAutofit/>
+          </a:bodyPr>
+          <a:lstStyle/>
+          <a:p>
+            <a:r>
+              <a:rPr lang="es-ES" sz="2000" dirty="0" smtClean="0"/>
+              <a:t>EL MODELO TIENE UNA VALIDACIÓN BINARIA DONDE VALORES POR DEBAJO DEL 0.5 INDICAN QUE SON NEGATIVAS Y POR ENCIMA POSITIVAS.</a:t>
+            </a:r>
+            <a:endParaRPr lang="es-ES" sz="2000" dirty="0" smtClean="0"/>
+          </a:p>
+          <a:p>
+            <a:endParaRPr lang="es-ES" sz="2000" dirty="0" smtClean="0"/>
+          </a:p>
+          <a:p>
+            <a:r>
+              <a:rPr lang="es-ES" sz="2000" dirty="0" err="1" smtClean="0"/>
+              <a:t>pred_test</a:t>
+            </a:r>
+            <a:r>
+              <a:rPr lang="es-ES" sz="2000" dirty="0" smtClean="0"/>
+              <a:t>[9]</a:t>
+            </a:r>
+          </a:p>
+          <a:p>
+            <a:r>
+              <a:rPr lang="es-ES" sz="2000" dirty="0" err="1" smtClean="0"/>
+              <a:t>array</a:t>
+            </a:r>
+            <a:r>
+              <a:rPr lang="es-ES" sz="2000" dirty="0" smtClean="0"/>
+              <a:t>([0.01607266] </a:t>
+            </a:r>
+            <a:r>
+              <a:rPr lang="es-ES" sz="2000" dirty="0" smtClean="0">
+                <a:sym typeface="Wingdings" pitchFamily="2" charset="2"/>
+              </a:rPr>
+              <a:t> NEGATIVA</a:t>
+            </a:r>
+          </a:p>
+          <a:p>
+            <a:endParaRPr lang="es-ES" sz="2000" dirty="0">
+              <a:sym typeface="Wingdings" pitchFamily="2" charset="2"/>
+            </a:endParaRPr>
+          </a:p>
+          <a:p>
+            <a:r>
+              <a:rPr lang="es-ES" sz="2000" dirty="0"/>
+              <a:t/>
+            </a:r>
+            <a:br>
+              <a:rPr lang="es-ES" sz="2000" dirty="0"/>
+            </a:br>
+            <a:r>
+              <a:rPr lang="es-ES" sz="2000" dirty="0" err="1" smtClean="0"/>
+              <a:t>pred_test</a:t>
+            </a:r>
+            <a:r>
+              <a:rPr lang="es-ES" sz="2000" dirty="0" smtClean="0"/>
+              <a:t>[25]</a:t>
+            </a:r>
+            <a:endParaRPr lang="es-ES" sz="2000" dirty="0"/>
+          </a:p>
+          <a:p>
+            <a:r>
+              <a:rPr lang="es-ES" sz="2000" dirty="0" err="1" smtClean="0"/>
+              <a:t>array</a:t>
+            </a:r>
+            <a:r>
+              <a:rPr lang="es-ES" sz="2000" dirty="0"/>
+              <a:t>([0.76632994</a:t>
+            </a:r>
+            <a:r>
+              <a:rPr lang="es-ES" sz="2000" dirty="0" smtClean="0"/>
+              <a:t>]  </a:t>
+            </a:r>
+            <a:r>
+              <a:rPr lang="es-ES" sz="2000" dirty="0" smtClean="0">
+                <a:sym typeface="Wingdings" pitchFamily="2" charset="2"/>
+              </a:rPr>
+              <a:t></a:t>
+            </a:r>
+            <a:r>
+              <a:rPr lang="es-ES" sz="2000" dirty="0" smtClean="0"/>
+              <a:t>POSITIVA</a:t>
+            </a:r>
+            <a:endParaRPr lang="es-ES" sz="2000" dirty="0"/>
+          </a:p>
+          <a:p>
+            <a:endParaRPr lang="es-ES" sz="2000" dirty="0"/>
           </a:p>
         </p:txBody>
       </p:sp>
@@ -5430,6 +5665,13 @@
   <p:clrMapOvr>
     <a:masterClrMapping/>
   </p:clrMapOvr>
+  <p:timing>
+    <p:tnLst>
+      <p:par>
+        <p:cTn id="1" dur="indefinite" restart="never" nodeType="tmRoot"/>
+      </p:par>
+    </p:tnLst>
+  </p:timing>
 </p:sld>
 </file>
 
@@ -5467,7 +5709,7 @@
           <a:p>
             <a:r>
               <a:rPr lang="es-ES" dirty="0" smtClean="0"/>
-              <a:t>PREDICCIONES</a:t>
+              <a:t>API</a:t>
             </a:r>
             <a:endParaRPr lang="es-ES" dirty="0"/>
           </a:p>
@@ -5485,121 +5727,38 @@
         </p:nvSpPr>
         <p:spPr/>
         <p:txBody>
-          <a:bodyPr>
-            <a:normAutofit/>
-          </a:bodyPr>
-          <a:lstStyle/>
-          <a:p>
-            <a:r>
-              <a:rPr lang="es-ES" sz="2000" dirty="0" smtClean="0"/>
-              <a:t>Al ser el modelo de clasificación binaria, las reseñas de 0.5 para abajo, serian las negativas</a:t>
-            </a:r>
-          </a:p>
-          <a:p>
-            <a:r>
-              <a:rPr lang="es-ES" sz="2000" dirty="0" err="1" smtClean="0"/>
-              <a:t>pred_test</a:t>
-            </a:r>
-            <a:r>
-              <a:rPr lang="es-ES" sz="2000" dirty="0" smtClean="0"/>
-              <a:t> = </a:t>
-            </a:r>
-            <a:r>
-              <a:rPr lang="es-ES" sz="2000" dirty="0" err="1" smtClean="0"/>
-              <a:t>model.predict</a:t>
-            </a:r>
-            <a:r>
-              <a:rPr lang="es-ES" sz="2000" dirty="0" smtClean="0"/>
-              <a:t>(</a:t>
-            </a:r>
-            <a:r>
-              <a:rPr lang="es-ES" sz="2000" dirty="0" err="1" smtClean="0"/>
-              <a:t>X_test</a:t>
-            </a:r>
-            <a:r>
-              <a:rPr lang="es-ES" sz="2000" dirty="0" smtClean="0"/>
-              <a:t>) #HAGO PREDICCIONES EN EL CONJUNTO DE PRUEBA </a:t>
-            </a:r>
-          </a:p>
-          <a:p>
-            <a:endParaRPr lang="es-ES" sz="2000" dirty="0" smtClean="0"/>
-          </a:p>
-          <a:p>
-            <a:r>
-              <a:rPr lang="es-ES" sz="2000" dirty="0" err="1" smtClean="0"/>
-              <a:t>pred_test</a:t>
-            </a:r>
-            <a:r>
-              <a:rPr lang="es-ES" sz="2000" dirty="0" smtClean="0"/>
-              <a:t>[9]</a:t>
-            </a:r>
-          </a:p>
-          <a:p>
-            <a:r>
-              <a:rPr lang="es-ES" sz="2000" dirty="0" err="1" smtClean="0"/>
-              <a:t>array</a:t>
-            </a:r>
-            <a:r>
-              <a:rPr lang="es-ES" sz="2000" dirty="0" smtClean="0"/>
-              <a:t>([0.01607266] </a:t>
-            </a:r>
-            <a:r>
-              <a:rPr lang="es-ES" sz="2000" dirty="0" smtClean="0">
-                <a:sym typeface="Wingdings" pitchFamily="2" charset="2"/>
-              </a:rPr>
-              <a:t> NEGATIVA</a:t>
-            </a:r>
-          </a:p>
-          <a:p>
-            <a:endParaRPr lang="es-ES" sz="2000" dirty="0">
-              <a:sym typeface="Wingdings" pitchFamily="2" charset="2"/>
-            </a:endParaRPr>
-          </a:p>
-          <a:p>
-            <a:r>
-              <a:rPr lang="es-ES" sz="2000" dirty="0"/>
-              <a:t/>
-            </a:r>
-            <a:br>
-              <a:rPr lang="es-ES" sz="2000" dirty="0"/>
-            </a:br>
-            <a:r>
-              <a:rPr lang="es-ES" sz="2000" dirty="0" err="1" smtClean="0"/>
-              <a:t>pred_test</a:t>
-            </a:r>
-            <a:r>
-              <a:rPr lang="es-ES" sz="2000" dirty="0" smtClean="0"/>
-              <a:t>[25]</a:t>
-            </a:r>
-            <a:endParaRPr lang="es-ES" sz="2000" dirty="0"/>
-          </a:p>
-          <a:p>
-            <a:r>
-              <a:rPr lang="es-ES" sz="2000" dirty="0" err="1" smtClean="0"/>
-              <a:t>array</a:t>
-            </a:r>
-            <a:r>
-              <a:rPr lang="es-ES" sz="2000" dirty="0"/>
-              <a:t>([0.76632994</a:t>
-            </a:r>
-            <a:r>
-              <a:rPr lang="es-ES" sz="2000" dirty="0" smtClean="0"/>
-              <a:t>]  </a:t>
-            </a:r>
-            <a:r>
-              <a:rPr lang="es-ES" sz="2000" dirty="0" smtClean="0">
-                <a:sym typeface="Wingdings" pitchFamily="2" charset="2"/>
-              </a:rPr>
-              <a:t></a:t>
-            </a:r>
-            <a:r>
-              <a:rPr lang="es-ES" sz="2000" dirty="0" smtClean="0"/>
-              <a:t>POSITIVA</a:t>
-            </a:r>
-            <a:endParaRPr lang="es-ES" sz="2000" dirty="0"/>
-          </a:p>
-          <a:p>
-            <a:endParaRPr lang="es-ES" sz="2000" dirty="0"/>
+          <a:bodyPr/>
+          <a:lstStyle/>
+          <a:p>
+            <a:pPr>
+              <a:buNone/>
+            </a:pPr>
+            <a:endParaRPr lang="es-ES" dirty="0" smtClean="0"/>
+          </a:p>
+          <a:p>
+            <a:pPr>
+              <a:buNone/>
+            </a:pPr>
+            <a:endParaRPr lang="es-ES" dirty="0"/>
+          </a:p>
+          <a:p>
+            <a:pPr>
+              <a:buNone/>
+            </a:pPr>
+            <a:endParaRPr lang="es-ES" dirty="0" smtClean="0"/>
+          </a:p>
+          <a:p>
+            <a:pPr>
+              <a:buNone/>
+            </a:pPr>
+            <a:r>
+              <a:rPr lang="es-ES" dirty="0"/>
+              <a:t> </a:t>
+            </a:r>
+            <a:r>
+              <a:rPr lang="es-ES" dirty="0" smtClean="0"/>
+              <a:t>                                ENDPOINTS</a:t>
+            </a:r>
           </a:p>
         </p:txBody>
       </p:sp>

--- a/presentacion_power_point/proyecto_foro_cinefilo_sentimiento.pptx
+++ b/presentacion_power_point/proyecto_foro_cinefilo_sentimiento.pptx
@@ -5,7 +5,7 @@
     <p:sldMasterId id="2147483648" r:id="rId1"/>
   </p:sldMasterIdLst>
   <p:sldIdLst>
-    <p:sldId id="256" r:id="rId2"/>
+    <p:sldId id="280" r:id="rId2"/>
     <p:sldId id="258" r:id="rId3"/>
     <p:sldId id="260" r:id="rId4"/>
     <p:sldId id="279" r:id="rId5"/>
@@ -310,7 +310,7 @@
             <a:fld id="{4C155478-7262-48A7-B2BB-26A6BBE64C99}" type="datetimeFigureOut">
               <a:rPr lang="es-ES" smtClean="0"/>
               <a:pPr/>
-              <a:t>17/12/2020</a:t>
+              <a:t>18/12/2020</a:t>
             </a:fld>
             <a:endParaRPr lang="es-ES"/>
           </a:p>
@@ -477,7 +477,7 @@
             <a:fld id="{4C155478-7262-48A7-B2BB-26A6BBE64C99}" type="datetimeFigureOut">
               <a:rPr lang="es-ES" smtClean="0"/>
               <a:pPr/>
-              <a:t>17/12/2020</a:t>
+              <a:t>18/12/2020</a:t>
             </a:fld>
             <a:endParaRPr lang="es-ES"/>
           </a:p>
@@ -654,7 +654,7 @@
             <a:fld id="{4C155478-7262-48A7-B2BB-26A6BBE64C99}" type="datetimeFigureOut">
               <a:rPr lang="es-ES" smtClean="0"/>
               <a:pPr/>
-              <a:t>17/12/2020</a:t>
+              <a:t>18/12/2020</a:t>
             </a:fld>
             <a:endParaRPr lang="es-ES"/>
           </a:p>
@@ -821,7 +821,7 @@
             <a:fld id="{4C155478-7262-48A7-B2BB-26A6BBE64C99}" type="datetimeFigureOut">
               <a:rPr lang="es-ES" smtClean="0"/>
               <a:pPr/>
-              <a:t>17/12/2020</a:t>
+              <a:t>18/12/2020</a:t>
             </a:fld>
             <a:endParaRPr lang="es-ES"/>
           </a:p>
@@ -1064,7 +1064,7 @@
             <a:fld id="{4C155478-7262-48A7-B2BB-26A6BBE64C99}" type="datetimeFigureOut">
               <a:rPr lang="es-ES" smtClean="0"/>
               <a:pPr/>
-              <a:t>17/12/2020</a:t>
+              <a:t>18/12/2020</a:t>
             </a:fld>
             <a:endParaRPr lang="es-ES"/>
           </a:p>
@@ -1349,7 +1349,7 @@
             <a:fld id="{4C155478-7262-48A7-B2BB-26A6BBE64C99}" type="datetimeFigureOut">
               <a:rPr lang="es-ES" smtClean="0"/>
               <a:pPr/>
-              <a:t>17/12/2020</a:t>
+              <a:t>18/12/2020</a:t>
             </a:fld>
             <a:endParaRPr lang="es-ES"/>
           </a:p>
@@ -1768,7 +1768,7 @@
             <a:fld id="{4C155478-7262-48A7-B2BB-26A6BBE64C99}" type="datetimeFigureOut">
               <a:rPr lang="es-ES" smtClean="0"/>
               <a:pPr/>
-              <a:t>17/12/2020</a:t>
+              <a:t>18/12/2020</a:t>
             </a:fld>
             <a:endParaRPr lang="es-ES"/>
           </a:p>
@@ -1883,7 +1883,7 @@
             <a:fld id="{4C155478-7262-48A7-B2BB-26A6BBE64C99}" type="datetimeFigureOut">
               <a:rPr lang="es-ES" smtClean="0"/>
               <a:pPr/>
-              <a:t>17/12/2020</a:t>
+              <a:t>18/12/2020</a:t>
             </a:fld>
             <a:endParaRPr lang="es-ES"/>
           </a:p>
@@ -1975,7 +1975,7 @@
             <a:fld id="{4C155478-7262-48A7-B2BB-26A6BBE64C99}" type="datetimeFigureOut">
               <a:rPr lang="es-ES" smtClean="0"/>
               <a:pPr/>
-              <a:t>17/12/2020</a:t>
+              <a:t>18/12/2020</a:t>
             </a:fld>
             <a:endParaRPr lang="es-ES"/>
           </a:p>
@@ -2249,7 +2249,7 @@
             <a:fld id="{4C155478-7262-48A7-B2BB-26A6BBE64C99}" type="datetimeFigureOut">
               <a:rPr lang="es-ES" smtClean="0"/>
               <a:pPr/>
-              <a:t>17/12/2020</a:t>
+              <a:t>18/12/2020</a:t>
             </a:fld>
             <a:endParaRPr lang="es-ES"/>
           </a:p>
@@ -2499,7 +2499,7 @@
             <a:fld id="{4C155478-7262-48A7-B2BB-26A6BBE64C99}" type="datetimeFigureOut">
               <a:rPr lang="es-ES" smtClean="0"/>
               <a:pPr/>
-              <a:t>17/12/2020</a:t>
+              <a:t>18/12/2020</a:t>
             </a:fld>
             <a:endParaRPr lang="es-ES"/>
           </a:p>
@@ -2709,7 +2709,7 @@
             <a:fld id="{4C155478-7262-48A7-B2BB-26A6BBE64C99}" type="datetimeFigureOut">
               <a:rPr lang="es-ES" smtClean="0"/>
               <a:pPr/>
-              <a:t>17/12/2020</a:t>
+              <a:t>18/12/2020</a:t>
             </a:fld>
             <a:endParaRPr lang="es-ES"/>
           </a:p>
@@ -3066,6 +3066,20 @@
 <file path=ppt/slides/slide1.xml><?xml version="1.0" encoding="utf-8"?>
 <p:sld xmlns:a="http://schemas.openxmlformats.org/drawingml/2006/main" xmlns:r="http://schemas.openxmlformats.org/officeDocument/2006/relationships" xmlns:p="http://schemas.openxmlformats.org/presentationml/2006/main">
   <p:cSld>
+    <p:bg>
+      <p:bgPr>
+        <a:blipFill dpi="0" rotWithShape="1">
+          <a:blip r:embed="rId2">
+            <a:lum/>
+          </a:blip>
+          <a:srcRect/>
+          <a:stretch>
+            <a:fillRect t="-25000" b="-25000"/>
+          </a:stretch>
+        </a:blipFill>
+        <a:effectLst/>
+      </p:bgPr>
+    </p:bg>
     <p:spTree>
       <p:nvGrpSpPr>
         <p:cNvPr id="1" name=""/>
@@ -3087,72 +3101,55 @@
             <a:spLocks noGrp="1"/>
           </p:cNvSpPr>
           <p:nvPr>
-            <p:ph type="ctrTitle"/>
-          </p:nvPr>
-        </p:nvSpPr>
-        <p:spPr>
-          <a:xfrm>
-            <a:off x="857224" y="714357"/>
-            <a:ext cx="7600976" cy="2886094"/>
-          </a:xfrm>
-        </p:spPr>
-        <p:txBody>
-          <a:bodyPr/>
-          <a:lstStyle/>
-          <a:p>
-            <a:r>
-              <a:rPr lang="es-ES" dirty="0" smtClean="0"/>
-              <a:t>FORO </a:t>
-            </a:r>
-            <a:r>
-              <a:rPr lang="es-ES" dirty="0" smtClean="0"/>
-              <a:t>CINÉFILO </a:t>
-            </a:r>
-            <a:r>
-              <a:rPr lang="es-ES" dirty="0" smtClean="0"/>
-              <a:t>CON SENTIMIENTO</a:t>
-            </a:r>
+            <p:ph type="title"/>
+          </p:nvPr>
+        </p:nvSpPr>
+        <p:spPr/>
+        <p:txBody>
+          <a:bodyPr>
+            <a:normAutofit fontScale="90000"/>
+          </a:bodyPr>
+          <a:lstStyle/>
+          <a:p>
+            <a:r>
+              <a:rPr lang="es-ES" dirty="0" smtClean="0">
+                <a:solidFill>
+                  <a:schemeClr val="bg1"/>
+                </a:solidFill>
+              </a:rPr>
+              <a:t/>
+            </a:r>
+            <a:br>
+              <a:rPr lang="es-ES" dirty="0" smtClean="0">
+                <a:solidFill>
+                  <a:schemeClr val="bg1"/>
+                </a:solidFill>
+              </a:rPr>
+            </a:br>
             <a:endParaRPr lang="es-ES" dirty="0"/>
           </a:p>
         </p:txBody>
       </p:sp>
       <p:sp>
         <p:nvSpPr>
-          <p:cNvPr id="3" name="2 Subtítulo"/>
-          <p:cNvSpPr>
-            <a:spLocks noGrp="1"/>
-          </p:cNvSpPr>
-          <p:nvPr>
-            <p:ph type="subTitle" idx="1"/>
-          </p:nvPr>
-        </p:nvSpPr>
-        <p:spPr>
-          <a:xfrm>
-            <a:off x="1371600" y="3357562"/>
-            <a:ext cx="7058052" cy="3286148"/>
-          </a:xfrm>
-          <a:solidFill>
-            <a:schemeClr val="accent3">
-              <a:lumMod val="60000"/>
-              <a:lumOff val="40000"/>
-            </a:schemeClr>
-          </a:solidFill>
-        </p:spPr>
-        <p:txBody>
-          <a:bodyPr/>
-          <a:lstStyle/>
-          <a:p>
-            <a:endParaRPr lang="es-ES" dirty="0" smtClean="0"/>
-          </a:p>
-          <a:p>
-            <a:endParaRPr lang="es-ES" dirty="0"/>
-          </a:p>
-          <a:p>
-            <a:r>
-              <a:rPr lang="es-ES" dirty="0" smtClean="0"/>
-              <a:t>ADRIAN MADRID</a:t>
-            </a:r>
-            <a:endParaRPr lang="es-ES" dirty="0"/>
+          <p:cNvPr id="3" name="2 Marcador de contenido"/>
+          <p:cNvSpPr>
+            <a:spLocks noGrp="1"/>
+          </p:cNvSpPr>
+          <p:nvPr>
+            <p:ph idx="1"/>
+          </p:nvPr>
+        </p:nvSpPr>
+        <p:spPr/>
+        <p:txBody>
+          <a:bodyPr/>
+          <a:lstStyle/>
+          <a:p>
+            <a:endParaRPr lang="es-ES" dirty="0">
+              <a:solidFill>
+                <a:schemeClr val="bg1"/>
+              </a:solidFill>
+            </a:endParaRPr>
           </a:p>
         </p:txBody>
       </p:sp>
@@ -3289,11 +3286,7 @@
             </a:r>
             <a:r>
               <a:rPr lang="es-ES" dirty="0" smtClean="0"/>
-              <a:t> </a:t>
-            </a:r>
-            <a:r>
-              <a:rPr lang="es-ES" dirty="0" smtClean="0"/>
-              <a:t>de </a:t>
+              <a:t> de </a:t>
             </a:r>
             <a:r>
               <a:rPr lang="es-ES" dirty="0" err="1" smtClean="0"/>
@@ -3301,11 +3294,7 @@
             </a:r>
             <a:r>
               <a:rPr lang="es-ES" dirty="0" smtClean="0"/>
-              <a:t> </a:t>
-            </a:r>
-            <a:r>
-              <a:rPr lang="es-ES" dirty="0" smtClean="0"/>
-              <a:t>para hacer posteriormente reseñas sobre ella.</a:t>
+              <a:t> para hacer posteriormente reseñas sobre ella.</a:t>
             </a:r>
             <a:endParaRPr lang="es-ES" dirty="0"/>
           </a:p>
@@ -3542,13 +3531,8 @@
             </a:pPr>
             <a:r>
               <a:rPr lang="es-ES" dirty="0" smtClean="0"/>
-              <a:t>-NOMBRE DE LA </a:t>
-            </a:r>
-            <a:r>
-              <a:rPr lang="es-ES" dirty="0" smtClean="0"/>
-              <a:t>PELÍCULA</a:t>
-            </a:r>
-            <a:endParaRPr lang="es-ES" dirty="0" smtClean="0"/>
+              <a:t>-NOMBRE DE LA PELÍCULA</a:t>
+            </a:r>
           </a:p>
           <a:p>
             <a:pPr>
@@ -3571,15 +3555,7 @@
             </a:pPr>
             <a:r>
               <a:rPr lang="es-ES" dirty="0" smtClean="0"/>
-              <a:t>-ID DE </a:t>
-            </a:r>
-            <a:r>
-              <a:rPr lang="es-ES" dirty="0" smtClean="0"/>
-              <a:t>PELÍCULA </a:t>
-            </a:r>
-            <a:r>
-              <a:rPr lang="es-ES" dirty="0" smtClean="0"/>
-              <a:t>PARA CREAR LA RESEÑA</a:t>
+              <a:t>-ID DE PELÍCULA PARA CREAR LA RESEÑA</a:t>
             </a:r>
             <a:endParaRPr lang="es-ES" dirty="0"/>
           </a:p>
@@ -3689,13 +3665,8 @@
             </a:pPr>
             <a:r>
               <a:rPr lang="es-ES" dirty="0" smtClean="0"/>
-              <a:t>“reseña”: en </a:t>
-            </a:r>
-            <a:r>
-              <a:rPr lang="es-ES" dirty="0" smtClean="0"/>
-              <a:t>inglés</a:t>
-            </a:r>
-            <a:endParaRPr lang="es-ES" dirty="0" smtClean="0"/>
+              <a:t>“reseña”: en inglés</a:t>
+            </a:r>
           </a:p>
           <a:p>
             <a:pPr>
@@ -3871,15 +3842,7 @@
             </a:pPr>
             <a:r>
               <a:rPr lang="es-ES" dirty="0" smtClean="0"/>
-              <a:t>LA </a:t>
-            </a:r>
-            <a:r>
-              <a:rPr lang="es-ES" dirty="0" smtClean="0"/>
-              <a:t>CALIFICACIÓN </a:t>
-            </a:r>
-            <a:r>
-              <a:rPr lang="es-ES" dirty="0" smtClean="0"/>
-              <a:t>DE SUS RESEÑAS</a:t>
+              <a:t>LA CALIFICACIÓN DE SUS RESEÑAS</a:t>
             </a:r>
           </a:p>
           <a:p>
@@ -3888,23 +3851,7 @@
             </a:pPr>
             <a:r>
               <a:rPr lang="es-ES" dirty="0" smtClean="0"/>
-              <a:t>EL </a:t>
-            </a:r>
-            <a:r>
-              <a:rPr lang="es-ES" dirty="0" smtClean="0"/>
-              <a:t>TÍTULO </a:t>
-            </a:r>
-            <a:r>
-              <a:rPr lang="es-ES" dirty="0" smtClean="0"/>
-              <a:t>DE LAS </a:t>
-            </a:r>
-            <a:r>
-              <a:rPr lang="es-ES" dirty="0" smtClean="0"/>
-              <a:t>PELÍCULAS </a:t>
-            </a:r>
-            <a:r>
-              <a:rPr lang="es-ES" dirty="0" smtClean="0"/>
-              <a:t>QUE COMENTÓ</a:t>
+              <a:t>EL TÍTULO DE LAS PELÍCULAS QUE COMENTÓ</a:t>
             </a:r>
             <a:endParaRPr lang="es-ES" dirty="0"/>
           </a:p>
@@ -3993,23 +3940,7 @@
             </a:pPr>
             <a:r>
               <a:rPr lang="es-ES" dirty="0" smtClean="0"/>
-              <a:t>*DEVUELVE LAS RESEÑAS DE ESE </a:t>
-            </a:r>
-            <a:r>
-              <a:rPr lang="es-ES" dirty="0" smtClean="0"/>
-              <a:t>TÍTULO </a:t>
-            </a:r>
-            <a:r>
-              <a:rPr lang="es-ES" dirty="0" smtClean="0"/>
-              <a:t>CON SU </a:t>
-            </a:r>
-            <a:r>
-              <a:rPr lang="es-ES" dirty="0" smtClean="0"/>
-              <a:t>CALIFICACIÓN </a:t>
-            </a:r>
-            <a:r>
-              <a:rPr lang="es-ES" dirty="0" smtClean="0"/>
-              <a:t>Y EL USUARIO QUE LA ESCRIBIÓ</a:t>
+              <a:t>*DEVUELVE LAS RESEÑAS DE ESE TÍTULO CON SU CALIFICACIÓN Y EL USUARIO QUE LA ESCRIBIÓ</a:t>
             </a:r>
             <a:endParaRPr lang="es-ES" dirty="0"/>
           </a:p>
@@ -4105,19 +4036,7 @@
             </a:pPr>
             <a:r>
               <a:rPr lang="es-ES" dirty="0" smtClean="0"/>
-              <a:t>TODAS LAS RESEÑAS, CON SUS CALIFICACIONES, EL USUARIO QUE LAS ESCRIBIÓ, Y EL </a:t>
-            </a:r>
-            <a:r>
-              <a:rPr lang="es-ES" dirty="0" smtClean="0"/>
-              <a:t>TÍTULO </a:t>
-            </a:r>
-            <a:r>
-              <a:rPr lang="es-ES" dirty="0" smtClean="0"/>
-              <a:t>DE ESAS </a:t>
-            </a:r>
-            <a:r>
-              <a:rPr lang="es-ES" dirty="0" smtClean="0"/>
-              <a:t>PELÍCULAS</a:t>
+              <a:t>TODAS LAS RESEÑAS, CON SUS CALIFICACIONES, EL USUARIO QUE LAS ESCRIBIÓ, Y EL TÍTULO DE ESAS PELÍCULAS</a:t>
             </a:r>
             <a:endParaRPr lang="es-ES" dirty="0"/>
           </a:p>
@@ -4287,23 +4206,7 @@
             </a:pPr>
             <a:r>
               <a:rPr lang="es-ES" dirty="0" smtClean="0"/>
-              <a:t>APROVECHÉ LA </a:t>
-            </a:r>
-            <a:r>
-              <a:rPr lang="es-ES" dirty="0" smtClean="0"/>
-              <a:t>BASE DE DATOS DE MONGO DONDE SE ENCUENTRAN LAS RESEÑAS CON SU </a:t>
-            </a:r>
-            <a:r>
-              <a:rPr lang="es-ES" dirty="0" smtClean="0"/>
-              <a:t>USUARIO,TÍTULO</a:t>
-            </a:r>
-            <a:r>
-              <a:rPr lang="es-ES" dirty="0" smtClean="0"/>
-              <a:t>, Y CALIFICACIONES PARA HACER UN PAR DE </a:t>
-            </a:r>
-            <a:r>
-              <a:rPr lang="es-ES" dirty="0" smtClean="0"/>
-              <a:t>GRÁFICAS</a:t>
+              <a:t>APROVECHÉ LA BASE DE DATOS DE MONGO DONDE SE ENCUENTRAN LAS RESEÑAS CON SU USUARIO,TÍTULO, Y CALIFICACIONES PARA HACER UN PAR DE GRÁFICAS</a:t>
             </a:r>
             <a:endParaRPr lang="es-ES" dirty="0"/>
           </a:p>
@@ -4524,11 +4427,7 @@
           <a:p>
             <a:r>
               <a:rPr lang="es-ES" dirty="0" smtClean="0"/>
-              <a:t>Gráfico </a:t>
-            </a:r>
-            <a:r>
-              <a:rPr lang="es-ES" dirty="0" smtClean="0"/>
-              <a:t>usuarios</a:t>
+              <a:t>Gráfico usuarios</a:t>
             </a:r>
             <a:endParaRPr lang="es-ES" dirty="0"/>
           </a:p>
@@ -4825,15 +4724,7 @@
             </a:pPr>
             <a:r>
               <a:rPr lang="es-ES" sz="2400" dirty="0" smtClean="0"/>
-              <a:t>CONTABA CON UN DATASETS CON 50000 RESEÑAS DE </a:t>
-            </a:r>
-            <a:r>
-              <a:rPr lang="es-ES" sz="2400" dirty="0" smtClean="0"/>
-              <a:t>PELÍCULAS </a:t>
-            </a:r>
-            <a:r>
-              <a:rPr lang="es-ES" sz="2400" dirty="0" smtClean="0"/>
-              <a:t>DE </a:t>
+              <a:t>CONTABA CON UN DATASETS CON 50000 RESEÑAS DE PELÍCULAS DE </a:t>
             </a:r>
           </a:p>
           <a:p>
@@ -4875,27 +4766,17 @@
             </a:pPr>
             <a:r>
               <a:rPr lang="es-ES" sz="2400" dirty="0" smtClean="0"/>
-              <a:t>-SIGNOS DE </a:t>
-            </a:r>
+              <a:t>-SIGNOS DE PUNTUACIÓN</a:t>
+            </a:r>
+          </a:p>
+          <a:p>
+            <a:pPr>
+              <a:buNone/>
+            </a:pPr>
             <a:r>
               <a:rPr lang="es-ES" sz="2400" dirty="0" smtClean="0"/>
-              <a:t>PUNTUACIÓN</a:t>
-            </a:r>
-            <a:endParaRPr lang="es-ES" sz="2400" dirty="0" smtClean="0"/>
-          </a:p>
-          <a:p>
-            <a:pPr>
-              <a:buNone/>
-            </a:pPr>
-            <a:r>
-              <a:rPr lang="es-ES" sz="2400" dirty="0" smtClean="0"/>
-              <a:t>-ESPACIOS EN BLANCO </a:t>
-            </a:r>
-            <a:r>
-              <a:rPr lang="es-ES" sz="2400" dirty="0" smtClean="0"/>
-              <a:t>MÚLTIPLES</a:t>
-            </a:r>
-            <a:endParaRPr lang="es-ES" sz="2400" dirty="0" smtClean="0"/>
+              <a:t>-ESPACIOS EN BLANCO MÚLTIPLES</a:t>
+            </a:r>
           </a:p>
           <a:p>
             <a:pPr>
@@ -5246,15 +5127,7 @@
           <a:p>
             <a:r>
               <a:rPr lang="es-ES" dirty="0" smtClean="0"/>
-              <a:t>LIMITACIÓN </a:t>
-            </a:r>
-            <a:r>
-              <a:rPr lang="es-ES" dirty="0" smtClean="0"/>
-              <a:t>RESEÑAS A 100 PALABRAS, PARA ACOTAR LAS RESEÑAS O RELLENARSE CON CEROS (MEJOR ACOTAR A RELLENAR CON CEROS</a:t>
-            </a:r>
-            <a:r>
-              <a:rPr lang="es-ES" dirty="0" smtClean="0"/>
-              <a:t>)</a:t>
+              <a:t>LIMITACIÓN RESEÑAS A 100 PALABRAS, PARA ACOTAR LAS RESEÑAS O RELLENARSE CON CEROS (MEJOR ACOTAR A RELLENAR CON CEROS)</a:t>
             </a:r>
           </a:p>
           <a:p>
@@ -5576,7 +5449,6 @@
               <a:rPr lang="es-ES" sz="2000" dirty="0" smtClean="0"/>
               <a:t>EL MODELO TIENE UNA VALIDACIÓN BINARIA DONDE VALORES POR DEBAJO DEL 0.5 INDICAN QUE SON NEGATIVAS Y POR ENCIMA POSITIVAS.</a:t>
             </a:r>
-            <a:endParaRPr lang="es-ES" sz="2000" dirty="0" smtClean="0"/>
           </a:p>
           <a:p>
             <a:endParaRPr lang="es-ES" sz="2000" dirty="0" smtClean="0"/>
